--- a/Regression-Analysis.pptx
+++ b/Regression-Analysis.pptx
@@ -5,7 +5,7 @@
     <p:sldMasterId id="2147483660" r:id="rId1"/>
   </p:sldMasterIdLst>
   <p:notesMasterIdLst>
-    <p:notesMasterId r:id="rId18"/>
+    <p:notesMasterId r:id="rId25"/>
   </p:notesMasterIdLst>
   <p:sldIdLst>
     <p:sldId id="256" r:id="rId2"/>
@@ -19,11 +19,18 @@
     <p:sldId id="299" r:id="rId10"/>
     <p:sldId id="298" r:id="rId11"/>
     <p:sldId id="305" r:id="rId12"/>
-    <p:sldId id="301" r:id="rId13"/>
-    <p:sldId id="289" r:id="rId14"/>
-    <p:sldId id="294" r:id="rId15"/>
-    <p:sldId id="290" r:id="rId16"/>
-    <p:sldId id="295" r:id="rId17"/>
+    <p:sldId id="321" r:id="rId13"/>
+    <p:sldId id="301" r:id="rId14"/>
+    <p:sldId id="315" r:id="rId15"/>
+    <p:sldId id="317" r:id="rId16"/>
+    <p:sldId id="318" r:id="rId17"/>
+    <p:sldId id="319" r:id="rId18"/>
+    <p:sldId id="320" r:id="rId19"/>
+    <p:sldId id="316" r:id="rId20"/>
+    <p:sldId id="289" r:id="rId21"/>
+    <p:sldId id="294" r:id="rId22"/>
+    <p:sldId id="290" r:id="rId23"/>
+    <p:sldId id="295" r:id="rId24"/>
   </p:sldIdLst>
   <p:sldSz cx="9144000" cy="6858000" type="screen4x3"/>
   <p:notesSz cx="6858000" cy="9144000"/>
@@ -4482,218 +4489,418 @@
           <a:p>
             <a:pPr lvl="1"/>
             <a:r>
-              <a:rPr lang="en-US" dirty="0"/>
+              <a:rPr lang="en-US" dirty="0">
+                <a:solidFill>
+                  <a:schemeClr val="tx1"/>
+                </a:solidFill>
+              </a:rPr>
               <a:t>If there is more than one X </a:t>
             </a:r>
           </a:p>
           <a:p>
             <a:pPr lvl="1"/>
             <a:r>
-              <a:rPr lang="en-US" dirty="0"/>
+              <a:rPr lang="en-US" dirty="0">
+                <a:solidFill>
+                  <a:schemeClr val="tx1"/>
+                </a:solidFill>
+              </a:rPr>
               <a:t>Y = </a:t>
             </a:r>
             <a:r>
-              <a:rPr lang="el-GR" dirty="0"/>
+              <a:rPr lang="el-GR" dirty="0">
+                <a:solidFill>
+                  <a:schemeClr val="tx1"/>
+                </a:solidFill>
+              </a:rPr>
               <a:t>β</a:t>
             </a:r>
             <a:r>
-              <a:rPr lang="en-US" baseline="-25000" dirty="0"/>
+              <a:rPr lang="en-US" baseline="-25000" dirty="0">
+                <a:solidFill>
+                  <a:schemeClr val="tx1"/>
+                </a:solidFill>
+              </a:rPr>
               <a:t>0  </a:t>
             </a:r>
             <a:r>
-              <a:rPr lang="en-US" dirty="0"/>
+              <a:rPr lang="en-US" dirty="0">
+                <a:solidFill>
+                  <a:schemeClr val="tx1"/>
+                </a:solidFill>
+              </a:rPr>
               <a:t>+ </a:t>
             </a:r>
             <a:r>
-              <a:rPr lang="el-GR" dirty="0"/>
+              <a:rPr lang="el-GR" dirty="0">
+                <a:solidFill>
+                  <a:schemeClr val="tx1"/>
+                </a:solidFill>
+              </a:rPr>
               <a:t>β</a:t>
             </a:r>
             <a:r>
-              <a:rPr lang="en-US" baseline="-25000" dirty="0"/>
+              <a:rPr lang="en-US" baseline="-25000" dirty="0">
+                <a:solidFill>
+                  <a:schemeClr val="tx1"/>
+                </a:solidFill>
+              </a:rPr>
               <a:t>1</a:t>
             </a:r>
             <a:r>
-              <a:rPr lang="en-US" dirty="0"/>
+              <a:rPr lang="en-US" dirty="0">
+                <a:solidFill>
+                  <a:schemeClr val="tx1"/>
+                </a:solidFill>
+              </a:rPr>
               <a:t>X</a:t>
             </a:r>
             <a:r>
-              <a:rPr lang="en-US" baseline="-25000" dirty="0"/>
+              <a:rPr lang="en-US" baseline="-25000" dirty="0">
+                <a:solidFill>
+                  <a:schemeClr val="tx1"/>
+                </a:solidFill>
+              </a:rPr>
               <a:t>1</a:t>
             </a:r>
             <a:r>
-              <a:rPr lang="en-US" dirty="0"/>
+              <a:rPr lang="en-US" dirty="0">
+                <a:solidFill>
+                  <a:schemeClr val="tx1"/>
+                </a:solidFill>
+              </a:rPr>
               <a:t> + </a:t>
             </a:r>
             <a:r>
-              <a:rPr lang="el-GR" dirty="0"/>
+              <a:rPr lang="el-GR" dirty="0">
+                <a:solidFill>
+                  <a:schemeClr val="tx1"/>
+                </a:solidFill>
+              </a:rPr>
               <a:t>β</a:t>
             </a:r>
             <a:r>
-              <a:rPr lang="en-US" baseline="-25000" dirty="0"/>
+              <a:rPr lang="en-US" baseline="-25000" dirty="0">
+                <a:solidFill>
+                  <a:schemeClr val="tx1"/>
+                </a:solidFill>
+              </a:rPr>
               <a:t>2</a:t>
             </a:r>
             <a:r>
-              <a:rPr lang="en-US" dirty="0"/>
+              <a:rPr lang="en-US" dirty="0">
+                <a:solidFill>
+                  <a:schemeClr val="tx1"/>
+                </a:solidFill>
+              </a:rPr>
               <a:t>X</a:t>
             </a:r>
             <a:r>
-              <a:rPr lang="en-US" baseline="-25000" dirty="0"/>
+              <a:rPr lang="en-US" baseline="-25000" dirty="0">
+                <a:solidFill>
+                  <a:schemeClr val="tx1"/>
+                </a:solidFill>
+              </a:rPr>
               <a:t>2</a:t>
             </a:r>
             <a:r>
-              <a:rPr lang="en-US" dirty="0"/>
+              <a:rPr lang="en-US" dirty="0">
+                <a:solidFill>
+                  <a:schemeClr val="tx1"/>
+                </a:solidFill>
+              </a:rPr>
               <a:t> + …… + </a:t>
             </a:r>
             <a:r>
-              <a:rPr lang="el-GR" dirty="0"/>
+              <a:rPr lang="el-GR" dirty="0">
+                <a:solidFill>
+                  <a:schemeClr val="tx1"/>
+                </a:solidFill>
+              </a:rPr>
               <a:t>β </a:t>
             </a:r>
             <a:r>
-              <a:rPr lang="en-US" baseline="-25000" dirty="0" err="1" smtClean="0"/>
+              <a:rPr lang="en-US" baseline="-25000" dirty="0" err="1" smtClean="0">
+                <a:solidFill>
+                  <a:schemeClr val="tx1"/>
+                </a:solidFill>
+              </a:rPr>
               <a:t>n</a:t>
             </a:r>
             <a:r>
-              <a:rPr lang="en-US" dirty="0" err="1" smtClean="0"/>
+              <a:rPr lang="en-US" dirty="0" err="1" smtClean="0">
+                <a:solidFill>
+                  <a:schemeClr val="tx1"/>
+                </a:solidFill>
+              </a:rPr>
               <a:t>X</a:t>
             </a:r>
             <a:r>
-              <a:rPr lang="en-US" baseline="-25000" dirty="0" err="1" smtClean="0"/>
+              <a:rPr lang="en-US" baseline="-25000" dirty="0" err="1" smtClean="0">
+                <a:solidFill>
+                  <a:schemeClr val="tx1"/>
+                </a:solidFill>
+              </a:rPr>
               <a:t>n</a:t>
             </a:r>
             <a:r>
-              <a:rPr lang="en-US" baseline="-25000" dirty="0" smtClean="0"/>
+              <a:rPr lang="en-US" baseline="-25000" dirty="0" smtClean="0">
+                <a:solidFill>
+                  <a:schemeClr val="tx1"/>
+                </a:solidFill>
+              </a:rPr>
               <a:t> </a:t>
             </a:r>
             <a:r>
-              <a:rPr lang="en-US" dirty="0" smtClean="0"/>
+              <a:rPr lang="en-US" dirty="0" smtClean="0">
+                <a:solidFill>
+                  <a:schemeClr val="tx1"/>
+                </a:solidFill>
+              </a:rPr>
               <a:t>+ </a:t>
             </a:r>
             <a:r>
-              <a:rPr lang="el-GR" dirty="0"/>
+              <a:rPr lang="el-GR" dirty="0">
+                <a:solidFill>
+                  <a:schemeClr val="tx1"/>
+                </a:solidFill>
+              </a:rPr>
               <a:t>ξ</a:t>
             </a:r>
-            <a:endParaRPr lang="en-US" baseline="-25000" dirty="0" smtClean="0"/>
+            <a:endParaRPr lang="en-US" baseline="-25000" dirty="0" smtClean="0">
+              <a:solidFill>
+                <a:schemeClr val="tx1"/>
+              </a:solidFill>
+            </a:endParaRPr>
           </a:p>
           <a:p>
             <a:pPr lvl="1"/>
             <a:r>
-              <a:rPr lang="en-IN" i="1" dirty="0" smtClean="0"/>
+              <a:rPr lang="en-IN" i="1" dirty="0" smtClean="0">
+                <a:solidFill>
+                  <a:schemeClr val="tx1"/>
+                </a:solidFill>
+              </a:rPr>
               <a:t>Y </a:t>
             </a:r>
             <a:r>
-              <a:rPr lang="en-IN" dirty="0" smtClean="0"/>
+              <a:rPr lang="en-IN" dirty="0" smtClean="0">
+                <a:solidFill>
+                  <a:schemeClr val="tx1"/>
+                </a:solidFill>
+              </a:rPr>
               <a:t>= dependent</a:t>
             </a:r>
             <a:r>
-              <a:rPr lang="en-IN" dirty="0"/>
+              <a:rPr lang="en-IN" dirty="0">
+                <a:solidFill>
+                  <a:schemeClr val="tx1"/>
+                </a:solidFill>
+              </a:rPr>
               <a:t> </a:t>
             </a:r>
             <a:r>
-              <a:rPr lang="en-IN" dirty="0" smtClean="0"/>
+              <a:rPr lang="en-IN" dirty="0" smtClean="0">
+                <a:solidFill>
+                  <a:schemeClr val="tx1"/>
+                </a:solidFill>
+              </a:rPr>
               <a:t>variable</a:t>
             </a:r>
           </a:p>
           <a:p>
             <a:pPr lvl="1"/>
             <a:r>
-              <a:rPr lang="en-IN" i="1" dirty="0" smtClean="0"/>
+              <a:rPr lang="en-IN" i="1" dirty="0" smtClean="0">
+                <a:solidFill>
+                  <a:schemeClr val="tx1"/>
+                </a:solidFill>
+              </a:rPr>
               <a:t>X </a:t>
             </a:r>
             <a:r>
-              <a:rPr lang="en-IN" dirty="0" smtClean="0"/>
+              <a:rPr lang="en-IN" dirty="0" smtClean="0">
+                <a:solidFill>
+                  <a:schemeClr val="tx1"/>
+                </a:solidFill>
+              </a:rPr>
               <a:t>= explanatory</a:t>
             </a:r>
             <a:r>
-              <a:rPr lang="en-IN" dirty="0"/>
+              <a:rPr lang="en-IN" dirty="0">
+                <a:solidFill>
+                  <a:schemeClr val="tx1"/>
+                </a:solidFill>
+              </a:rPr>
               <a:t> </a:t>
             </a:r>
             <a:r>
-              <a:rPr lang="en-IN" dirty="0" smtClean="0"/>
+              <a:rPr lang="en-IN" dirty="0" smtClean="0">
+                <a:solidFill>
+                  <a:schemeClr val="tx1"/>
+                </a:solidFill>
+              </a:rPr>
               <a:t>variables</a:t>
             </a:r>
           </a:p>
           <a:p>
             <a:pPr lvl="1"/>
             <a:r>
-              <a:rPr lang="el-GR" dirty="0"/>
+              <a:rPr lang="el-GR" dirty="0">
+                <a:solidFill>
+                  <a:schemeClr val="tx1"/>
+                </a:solidFill>
+              </a:rPr>
               <a:t>β </a:t>
             </a:r>
             <a:r>
-              <a:rPr lang="el-GR" dirty="0" smtClean="0"/>
+              <a:rPr lang="el-GR" dirty="0" smtClean="0">
+                <a:solidFill>
+                  <a:schemeClr val="tx1"/>
+                </a:solidFill>
+              </a:rPr>
               <a:t>​=</a:t>
             </a:r>
             <a:r>
-              <a:rPr lang="en-US" dirty="0" smtClean="0"/>
+              <a:rPr lang="en-US" dirty="0" smtClean="0">
+                <a:solidFill>
+                  <a:schemeClr val="tx1"/>
+                </a:solidFill>
+              </a:rPr>
               <a:t> </a:t>
             </a:r>
             <a:r>
-              <a:rPr lang="en-IN" dirty="0" smtClean="0"/>
+              <a:rPr lang="en-IN" dirty="0" smtClean="0">
+                <a:solidFill>
+                  <a:schemeClr val="tx1"/>
+                </a:solidFill>
+              </a:rPr>
               <a:t>y-intercept</a:t>
             </a:r>
             <a:r>
-              <a:rPr lang="en-IN" dirty="0"/>
+              <a:rPr lang="en-IN" dirty="0">
+                <a:solidFill>
+                  <a:schemeClr val="tx1"/>
+                </a:solidFill>
+              </a:rPr>
               <a:t> (constant term</a:t>
             </a:r>
             <a:r>
-              <a:rPr lang="en-IN" dirty="0" smtClean="0"/>
+              <a:rPr lang="en-IN" dirty="0" smtClean="0">
+                <a:solidFill>
+                  <a:schemeClr val="tx1"/>
+                </a:solidFill>
+              </a:rPr>
               <a:t>)</a:t>
             </a:r>
           </a:p>
           <a:p>
             <a:pPr lvl="1"/>
             <a:r>
-              <a:rPr lang="el-GR" dirty="0" smtClean="0"/>
+              <a:rPr lang="el-GR" dirty="0" smtClean="0">
+                <a:solidFill>
+                  <a:schemeClr val="tx1"/>
+                </a:solidFill>
+              </a:rPr>
               <a:t>β</a:t>
             </a:r>
             <a:r>
-              <a:rPr lang="en-US" baseline="-25000" dirty="0" err="1" smtClean="0"/>
+              <a:rPr lang="en-US" baseline="-25000" dirty="0" err="1" smtClean="0">
+                <a:solidFill>
+                  <a:schemeClr val="tx1"/>
+                </a:solidFill>
+              </a:rPr>
               <a:t>i</a:t>
             </a:r>
             <a:r>
-              <a:rPr lang="en-US" baseline="-25000" dirty="0" smtClean="0"/>
+              <a:rPr lang="en-US" baseline="-25000" dirty="0" smtClean="0">
+                <a:solidFill>
+                  <a:schemeClr val="tx1"/>
+                </a:solidFill>
+              </a:rPr>
               <a:t> </a:t>
             </a:r>
             <a:r>
-              <a:rPr lang="en-US" dirty="0" smtClean="0"/>
+              <a:rPr lang="en-US" dirty="0" smtClean="0">
+                <a:solidFill>
+                  <a:schemeClr val="tx1"/>
+                </a:solidFill>
+              </a:rPr>
               <a:t> </a:t>
             </a:r>
             <a:r>
-              <a:rPr lang="en-IN" dirty="0" smtClean="0"/>
+              <a:rPr lang="en-IN" dirty="0" smtClean="0">
+                <a:solidFill>
+                  <a:schemeClr val="tx1"/>
+                </a:solidFill>
+              </a:rPr>
               <a:t>​= slope</a:t>
             </a:r>
             <a:r>
-              <a:rPr lang="en-IN" dirty="0"/>
+              <a:rPr lang="en-IN" dirty="0">
+                <a:solidFill>
+                  <a:schemeClr val="tx1"/>
+                </a:solidFill>
+              </a:rPr>
               <a:t> coefficients for each explanatory </a:t>
             </a:r>
             <a:r>
-              <a:rPr lang="en-IN" dirty="0" smtClean="0"/>
+              <a:rPr lang="en-IN" dirty="0" smtClean="0">
+                <a:solidFill>
+                  <a:schemeClr val="tx1"/>
+                </a:solidFill>
+              </a:rPr>
               <a:t>variable</a:t>
             </a:r>
           </a:p>
           <a:p>
             <a:pPr lvl="1"/>
             <a:r>
-              <a:rPr lang="el-GR" dirty="0"/>
+              <a:rPr lang="el-GR" dirty="0">
+                <a:solidFill>
+                  <a:schemeClr val="tx1"/>
+                </a:solidFill>
+              </a:rPr>
               <a:t>ξ </a:t>
             </a:r>
             <a:r>
-              <a:rPr lang="el-GR" dirty="0" smtClean="0"/>
+              <a:rPr lang="el-GR" dirty="0" smtClean="0">
+                <a:solidFill>
+                  <a:schemeClr val="tx1"/>
+                </a:solidFill>
+              </a:rPr>
               <a:t>=</a:t>
             </a:r>
             <a:r>
-              <a:rPr lang="en-US" dirty="0" smtClean="0"/>
+              <a:rPr lang="en-US" dirty="0" smtClean="0">
+                <a:solidFill>
+                  <a:schemeClr val="tx1"/>
+                </a:solidFill>
+              </a:rPr>
               <a:t> </a:t>
             </a:r>
             <a:r>
-              <a:rPr lang="en-IN" dirty="0" smtClean="0"/>
+              <a:rPr lang="en-IN" dirty="0" smtClean="0">
+                <a:solidFill>
+                  <a:schemeClr val="tx1"/>
+                </a:solidFill>
+              </a:rPr>
               <a:t>the</a:t>
             </a:r>
             <a:r>
-              <a:rPr lang="en-IN" dirty="0"/>
+              <a:rPr lang="en-IN" dirty="0">
+                <a:solidFill>
+                  <a:schemeClr val="tx1"/>
+                </a:solidFill>
+              </a:rPr>
               <a:t> model’s error term (also known as the residuals)</a:t>
             </a:r>
             <a:r>
-              <a:rPr lang="en-IN" dirty="0" smtClean="0"/>
+              <a:rPr lang="en-IN" dirty="0" smtClean="0">
+                <a:solidFill>
+                  <a:schemeClr val="tx1"/>
+                </a:solidFill>
+              </a:rPr>
               <a:t>​</a:t>
             </a:r>
           </a:p>
@@ -4702,10 +4909,18 @@
               <a:buNone/>
             </a:pPr>
             <a:r>
-              <a:rPr lang="en-US" dirty="0" smtClean="0"/>
+              <a:rPr lang="en-US" dirty="0" smtClean="0">
+                <a:solidFill>
+                  <a:schemeClr val="tx1"/>
+                </a:solidFill>
+              </a:rPr>
               <a:t>It is rare that Y is explained by single X. In that case, MLR comes in picture where more than one X are involved</a:t>
             </a:r>
-            <a:endParaRPr lang="en-US" dirty="0"/>
+            <a:endParaRPr lang="en-US" dirty="0">
+              <a:solidFill>
+                <a:schemeClr val="tx1"/>
+              </a:solidFill>
+            </a:endParaRPr>
           </a:p>
         </p:txBody>
       </p:sp>
@@ -4754,6 +4969,100 @@
           <a:bodyPr/>
           <a:lstStyle/>
           <a:p>
+            <a:endParaRPr lang="en-US"/>
+          </a:p>
+        </p:txBody>
+      </p:sp>
+      <p:sp>
+        <p:nvSpPr>
+          <p:cNvPr id="3" name="Content Placeholder 2"/>
+          <p:cNvSpPr>
+            <a:spLocks noGrp="1"/>
+          </p:cNvSpPr>
+          <p:nvPr>
+            <p:ph sz="quarter" idx="1"/>
+          </p:nvPr>
+        </p:nvSpPr>
+        <p:spPr/>
+        <p:txBody>
+          <a:bodyPr/>
+          <a:lstStyle/>
+          <a:p>
+            <a:pPr algn="ctr"/>
+            <a:endParaRPr lang="en-US" dirty="0" smtClean="0"/>
+          </a:p>
+          <a:p>
+            <a:pPr algn="ctr"/>
+            <a:endParaRPr lang="en-US" dirty="0"/>
+          </a:p>
+          <a:p>
+            <a:pPr algn="ctr"/>
+            <a:endParaRPr lang="en-US" dirty="0" smtClean="0"/>
+          </a:p>
+          <a:p>
+            <a:pPr algn="ctr"/>
+            <a:endParaRPr lang="en-US" dirty="0"/>
+          </a:p>
+          <a:p>
+            <a:pPr marL="0" indent="0" algn="ctr">
+              <a:buNone/>
+            </a:pPr>
+            <a:r>
+              <a:rPr lang="en-US" dirty="0" smtClean="0"/>
+              <a:t>Logistic </a:t>
+            </a:r>
+            <a:r>
+              <a:rPr lang="en-US" dirty="0"/>
+              <a:t>Regression</a:t>
+            </a:r>
+          </a:p>
+        </p:txBody>
+      </p:sp>
+    </p:spTree>
+    <p:extLst>
+      <p:ext uri="{BB962C8B-B14F-4D97-AF65-F5344CB8AC3E}">
+        <p14:creationId xmlns:p14="http://schemas.microsoft.com/office/powerpoint/2010/main" val="2696044244"/>
+      </p:ext>
+    </p:extLst>
+  </p:cSld>
+  <p:clrMapOvr>
+    <a:masterClrMapping/>
+  </p:clrMapOvr>
+</p:sld>
+</file>
+
+<file path=ppt/slides/slide13.xml><?xml version="1.0" encoding="utf-8"?>
+<p:sld xmlns:a="http://schemas.openxmlformats.org/drawingml/2006/main" xmlns:r="http://schemas.openxmlformats.org/officeDocument/2006/relationships" xmlns:p="http://schemas.openxmlformats.org/presentationml/2006/main">
+  <p:cSld>
+    <p:spTree>
+      <p:nvGrpSpPr>
+        <p:cNvPr id="1" name=""/>
+        <p:cNvGrpSpPr/>
+        <p:nvPr/>
+      </p:nvGrpSpPr>
+      <p:grpSpPr>
+        <a:xfrm>
+          <a:off x="0" y="0"/>
+          <a:ext cx="0" cy="0"/>
+          <a:chOff x="0" y="0"/>
+          <a:chExt cx="0" cy="0"/>
+        </a:xfrm>
+      </p:grpSpPr>
+      <p:sp>
+        <p:nvSpPr>
+          <p:cNvPr id="2" name="Title 1"/>
+          <p:cNvSpPr>
+            <a:spLocks noGrp="1"/>
+          </p:cNvSpPr>
+          <p:nvPr>
+            <p:ph type="title"/>
+          </p:nvPr>
+        </p:nvSpPr>
+        <p:spPr/>
+        <p:txBody>
+          <a:bodyPr/>
+          <a:lstStyle/>
+          <a:p>
             <a:r>
               <a:rPr lang="en-US" dirty="0" smtClean="0"/>
               <a:t>Logistic Regression</a:t>
@@ -4777,7 +5086,97 @@
           <a:bodyPr/>
           <a:lstStyle/>
           <a:p>
-            <a:endParaRPr lang="en-IN"/>
+            <a:r>
+              <a:rPr lang="en-US" dirty="0"/>
+              <a:t> Logistic Regression is used </a:t>
+            </a:r>
+            <a:r>
+              <a:rPr lang="en-US" dirty="0"/>
+              <a:t>to predict the probability of categorical </a:t>
+            </a:r>
+            <a:r>
+              <a:rPr lang="en-US" dirty="0" smtClean="0"/>
+              <a:t>dependent variable</a:t>
+            </a:r>
+          </a:p>
+          <a:p>
+            <a:r>
+              <a:rPr lang="en-US" dirty="0" smtClean="0"/>
+              <a:t>E.g. To </a:t>
+            </a:r>
+            <a:r>
+              <a:rPr lang="en-US" dirty="0"/>
+              <a:t>predict </a:t>
+            </a:r>
+            <a:r>
+              <a:rPr lang="en-US" dirty="0" smtClean="0"/>
+              <a:t>if a customer will default (1) or not (0)</a:t>
+            </a:r>
+          </a:p>
+          <a:p>
+            <a:r>
+              <a:rPr lang="en-US" dirty="0" err="1" smtClean="0"/>
+              <a:t>LogReg</a:t>
+            </a:r>
+            <a:r>
+              <a:rPr lang="en-US" dirty="0" smtClean="0"/>
+              <a:t> </a:t>
+            </a:r>
+            <a:r>
+              <a:rPr lang="en-US" dirty="0"/>
+              <a:t>model predicts P(Y=1) as a function of X</a:t>
+            </a:r>
+            <a:r>
+              <a:rPr lang="en-US" dirty="0" smtClean="0"/>
+              <a:t>.</a:t>
+            </a:r>
+          </a:p>
+          <a:p>
+            <a:r>
+              <a:rPr lang="en-US" dirty="0" smtClean="0"/>
+              <a:t>Binary Logistic </a:t>
+            </a:r>
+            <a:r>
+              <a:rPr lang="en-US" dirty="0"/>
+              <a:t>regression </a:t>
+            </a:r>
+            <a:r>
+              <a:rPr lang="en-US" dirty="0" smtClean="0"/>
+              <a:t>:  where </a:t>
+            </a:r>
+            <a:r>
+              <a:rPr lang="en-US" dirty="0"/>
+              <a:t>the dependent </a:t>
+            </a:r>
+            <a:r>
+              <a:rPr lang="en-US" dirty="0" smtClean="0"/>
+              <a:t>categorical variable </a:t>
+            </a:r>
+            <a:r>
+              <a:rPr lang="en-US" dirty="0"/>
+              <a:t>is Binary or Dichotomous</a:t>
+            </a:r>
+            <a:r>
+              <a:rPr lang="en-US" dirty="0" smtClean="0"/>
+              <a:t>. </a:t>
+            </a:r>
+          </a:p>
+          <a:p>
+            <a:r>
+              <a:rPr lang="en-US" dirty="0" smtClean="0"/>
+              <a:t>Multinomial </a:t>
+            </a:r>
+            <a:r>
+              <a:rPr lang="en-US" dirty="0"/>
+              <a:t>Logistic regression </a:t>
+            </a:r>
+            <a:r>
+              <a:rPr lang="en-US" dirty="0" smtClean="0"/>
+              <a:t> : where dependent categorical variables has more than two classes ( e.g. temperature : High, Medium, Low)</a:t>
+            </a:r>
+          </a:p>
+          <a:p>
+            <a:endParaRPr lang="en-IN" dirty="0"/>
           </a:p>
         </p:txBody>
       </p:sp>
@@ -4794,7 +5193,1818 @@
 </p:sld>
 </file>
 
-<file path=ppt/slides/slide13.xml><?xml version="1.0" encoding="utf-8"?>
+<file path=ppt/slides/slide14.xml><?xml version="1.0" encoding="utf-8"?>
+<p:sld xmlns:a="http://schemas.openxmlformats.org/drawingml/2006/main" xmlns:r="http://schemas.openxmlformats.org/officeDocument/2006/relationships" xmlns:p="http://schemas.openxmlformats.org/presentationml/2006/main">
+  <p:cSld>
+    <p:spTree>
+      <p:nvGrpSpPr>
+        <p:cNvPr id="1" name=""/>
+        <p:cNvGrpSpPr/>
+        <p:nvPr/>
+      </p:nvGrpSpPr>
+      <p:grpSpPr>
+        <a:xfrm>
+          <a:off x="0" y="0"/>
+          <a:ext cx="0" cy="0"/>
+          <a:chOff x="0" y="0"/>
+          <a:chExt cx="0" cy="0"/>
+        </a:xfrm>
+      </p:grpSpPr>
+      <p:sp>
+        <p:nvSpPr>
+          <p:cNvPr id="2" name="Title 1"/>
+          <p:cNvSpPr>
+            <a:spLocks noGrp="1"/>
+          </p:cNvSpPr>
+          <p:nvPr>
+            <p:ph type="title"/>
+          </p:nvPr>
+        </p:nvSpPr>
+        <p:spPr/>
+        <p:txBody>
+          <a:bodyPr/>
+          <a:lstStyle/>
+          <a:p>
+            <a:r>
+              <a:rPr lang="en-US" dirty="0" smtClean="0"/>
+              <a:t>Why can’t </a:t>
+            </a:r>
+            <a:r>
+              <a:rPr lang="en-US" dirty="0" err="1" smtClean="0"/>
+              <a:t>LinReg</a:t>
+            </a:r>
+            <a:r>
+              <a:rPr lang="en-US" dirty="0" smtClean="0"/>
+              <a:t> be used???</a:t>
+            </a:r>
+            <a:endParaRPr lang="en-US" dirty="0"/>
+          </a:p>
+        </p:txBody>
+      </p:sp>
+      <p:pic>
+        <p:nvPicPr>
+          <p:cNvPr id="4" name="Content Placeholder 3"/>
+          <p:cNvPicPr>
+            <a:picLocks noGrp="1" noChangeAspect="1"/>
+          </p:cNvPicPr>
+          <p:nvPr>
+            <p:ph sz="quarter" idx="1"/>
+          </p:nvPr>
+        </p:nvPicPr>
+        <p:blipFill>
+          <a:blip r:embed="rId2"/>
+          <a:stretch>
+            <a:fillRect/>
+          </a:stretch>
+        </p:blipFill>
+        <p:spPr>
+          <a:xfrm>
+            <a:off x="457200" y="1143001"/>
+            <a:ext cx="3322712" cy="2646040"/>
+          </a:xfrm>
+          <a:prstGeom prst="rect">
+            <a:avLst/>
+          </a:prstGeom>
+        </p:spPr>
+      </p:pic>
+      <p:pic>
+        <p:nvPicPr>
+          <p:cNvPr id="5" name="Picture 4"/>
+          <p:cNvPicPr>
+            <a:picLocks noChangeAspect="1"/>
+          </p:cNvPicPr>
+          <p:nvPr/>
+        </p:nvPicPr>
+        <p:blipFill>
+          <a:blip r:embed="rId3"/>
+          <a:stretch>
+            <a:fillRect/>
+          </a:stretch>
+        </p:blipFill>
+        <p:spPr>
+          <a:xfrm>
+            <a:off x="4020550" y="1143000"/>
+            <a:ext cx="4753638" cy="3210373"/>
+          </a:xfrm>
+          <a:prstGeom prst="rect">
+            <a:avLst/>
+          </a:prstGeom>
+        </p:spPr>
+      </p:pic>
+      <p:pic>
+        <p:nvPicPr>
+          <p:cNvPr id="6" name="Picture 5"/>
+          <p:cNvPicPr>
+            <a:picLocks noChangeAspect="1"/>
+          </p:cNvPicPr>
+          <p:nvPr/>
+        </p:nvPicPr>
+        <p:blipFill>
+          <a:blip r:embed="rId4"/>
+          <a:stretch>
+            <a:fillRect/>
+          </a:stretch>
+        </p:blipFill>
+        <p:spPr>
+          <a:xfrm>
+            <a:off x="457200" y="3429000"/>
+            <a:ext cx="4734586" cy="3219899"/>
+          </a:xfrm>
+          <a:prstGeom prst="rect">
+            <a:avLst/>
+          </a:prstGeom>
+        </p:spPr>
+      </p:pic>
+    </p:spTree>
+    <p:extLst>
+      <p:ext uri="{BB962C8B-B14F-4D97-AF65-F5344CB8AC3E}">
+        <p14:creationId xmlns:p14="http://schemas.microsoft.com/office/powerpoint/2010/main" val="1379735857"/>
+      </p:ext>
+    </p:extLst>
+  </p:cSld>
+  <p:clrMapOvr>
+    <a:masterClrMapping/>
+  </p:clrMapOvr>
+</p:sld>
+</file>
+
+<file path=ppt/slides/slide15.xml><?xml version="1.0" encoding="utf-8"?>
+<p:sld xmlns:a="http://schemas.openxmlformats.org/drawingml/2006/main" xmlns:r="http://schemas.openxmlformats.org/officeDocument/2006/relationships" xmlns:p="http://schemas.openxmlformats.org/presentationml/2006/main">
+  <p:cSld>
+    <p:spTree>
+      <p:nvGrpSpPr>
+        <p:cNvPr id="1" name=""/>
+        <p:cNvGrpSpPr/>
+        <p:nvPr/>
+      </p:nvGrpSpPr>
+      <p:grpSpPr>
+        <a:xfrm>
+          <a:off x="0" y="0"/>
+          <a:ext cx="0" cy="0"/>
+          <a:chOff x="0" y="0"/>
+          <a:chExt cx="0" cy="0"/>
+        </a:xfrm>
+      </p:grpSpPr>
+      <p:sp>
+        <p:nvSpPr>
+          <p:cNvPr id="2" name="Title 1"/>
+          <p:cNvSpPr>
+            <a:spLocks noGrp="1"/>
+          </p:cNvSpPr>
+          <p:nvPr>
+            <p:ph type="title"/>
+          </p:nvPr>
+        </p:nvSpPr>
+        <p:spPr/>
+        <p:txBody>
+          <a:bodyPr/>
+          <a:lstStyle/>
+          <a:p>
+            <a:endParaRPr lang="en-US"/>
+          </a:p>
+        </p:txBody>
+      </p:sp>
+      <p:sp>
+        <p:nvSpPr>
+          <p:cNvPr id="3" name="Content Placeholder 2"/>
+          <p:cNvSpPr>
+            <a:spLocks noGrp="1"/>
+          </p:cNvSpPr>
+          <p:nvPr>
+            <p:ph sz="quarter" idx="1"/>
+          </p:nvPr>
+        </p:nvSpPr>
+        <p:spPr/>
+        <p:txBody>
+          <a:bodyPr/>
+          <a:lstStyle/>
+          <a:p>
+            <a:r>
+              <a:rPr lang="en-US" dirty="0" smtClean="0"/>
+              <a:t>Probability = one outcome / all outcomes</a:t>
+            </a:r>
+          </a:p>
+          <a:p>
+            <a:r>
+              <a:rPr lang="en-US" dirty="0" smtClean="0"/>
+              <a:t>Odds = one outcome / all other outcomes</a:t>
+            </a:r>
+          </a:p>
+          <a:p>
+            <a:r>
+              <a:rPr lang="en-US" dirty="0" smtClean="0"/>
+              <a:t>Odds = probability / (1- probability)</a:t>
+            </a:r>
+          </a:p>
+          <a:p>
+            <a:r>
+              <a:rPr lang="en-US" dirty="0" smtClean="0"/>
+              <a:t>Probability = odds / (1 + odds)</a:t>
+            </a:r>
+            <a:endParaRPr lang="en-US" dirty="0"/>
+          </a:p>
+        </p:txBody>
+      </p:sp>
+    </p:spTree>
+    <p:extLst>
+      <p:ext uri="{BB962C8B-B14F-4D97-AF65-F5344CB8AC3E}">
+        <p14:creationId xmlns:p14="http://schemas.microsoft.com/office/powerpoint/2010/main" val="1643734767"/>
+      </p:ext>
+    </p:extLst>
+  </p:cSld>
+  <p:clrMapOvr>
+    <a:masterClrMapping/>
+  </p:clrMapOvr>
+</p:sld>
+</file>
+
+<file path=ppt/slides/slide16.xml><?xml version="1.0" encoding="utf-8"?>
+<p:sld xmlns:a="http://schemas.openxmlformats.org/drawingml/2006/main" xmlns:r="http://schemas.openxmlformats.org/officeDocument/2006/relationships" xmlns:p="http://schemas.openxmlformats.org/presentationml/2006/main">
+  <p:cSld>
+    <p:spTree>
+      <p:nvGrpSpPr>
+        <p:cNvPr id="1" name=""/>
+        <p:cNvGrpSpPr/>
+        <p:nvPr/>
+      </p:nvGrpSpPr>
+      <p:grpSpPr>
+        <a:xfrm>
+          <a:off x="0" y="0"/>
+          <a:ext cx="0" cy="0"/>
+          <a:chOff x="0" y="0"/>
+          <a:chExt cx="0" cy="0"/>
+        </a:xfrm>
+      </p:grpSpPr>
+      <p:sp>
+        <p:nvSpPr>
+          <p:cNvPr id="2" name="Title 1"/>
+          <p:cNvSpPr>
+            <a:spLocks noGrp="1"/>
+          </p:cNvSpPr>
+          <p:nvPr>
+            <p:ph type="title"/>
+          </p:nvPr>
+        </p:nvSpPr>
+        <p:spPr/>
+        <p:txBody>
+          <a:bodyPr/>
+          <a:lstStyle/>
+          <a:p>
+            <a:r>
+              <a:rPr lang="en-US" dirty="0" smtClean="0"/>
+              <a:t>Sigmoid or Logistic Function</a:t>
+            </a:r>
+            <a:endParaRPr lang="en-US" dirty="0"/>
+          </a:p>
+        </p:txBody>
+      </p:sp>
+      <p:sp>
+        <p:nvSpPr>
+          <p:cNvPr id="3" name="Content Placeholder 2"/>
+          <p:cNvSpPr>
+            <a:spLocks noGrp="1"/>
+          </p:cNvSpPr>
+          <p:nvPr>
+            <p:ph sz="quarter" idx="1"/>
+          </p:nvPr>
+        </p:nvSpPr>
+        <p:spPr/>
+        <p:txBody>
+          <a:bodyPr/>
+          <a:lstStyle/>
+          <a:p>
+            <a:r>
+              <a:rPr lang="en-US" dirty="0"/>
+              <a:t>In order to map predicted values to probabilities, we use the </a:t>
+            </a:r>
+            <a:r>
+              <a:rPr lang="en-US" dirty="0" smtClean="0"/>
+              <a:t>sigmoid / logistic</a:t>
+            </a:r>
+            <a:r>
+              <a:rPr lang="en-US" dirty="0"/>
+              <a:t> function. </a:t>
+            </a:r>
+            <a:endParaRPr lang="en-US" dirty="0" smtClean="0"/>
+          </a:p>
+          <a:p>
+            <a:r>
+              <a:rPr lang="en-US" dirty="0" smtClean="0"/>
+              <a:t>The sigmoid function </a:t>
+            </a:r>
+            <a:r>
+              <a:rPr lang="en-US" dirty="0"/>
+              <a:t>maps any real value into another value between 0 and 1. </a:t>
+            </a:r>
+            <a:endParaRPr lang="en-US" dirty="0" smtClean="0"/>
+          </a:p>
+          <a:p>
+            <a:r>
+              <a:rPr lang="en-US" dirty="0" smtClean="0"/>
+              <a:t>In </a:t>
+            </a:r>
+            <a:r>
+              <a:rPr lang="en-US" dirty="0"/>
+              <a:t>machine learning, we use sigmoid </a:t>
+            </a:r>
+            <a:r>
+              <a:rPr lang="en-US" dirty="0" smtClean="0"/>
+              <a:t>function to </a:t>
+            </a:r>
+            <a:r>
+              <a:rPr lang="en-US" dirty="0"/>
+              <a:t>map predictions to probabilities</a:t>
+            </a:r>
+            <a:r>
+              <a:rPr lang="en-US" dirty="0" smtClean="0"/>
+              <a:t>.</a:t>
+            </a:r>
+            <a:endParaRPr lang="en-US" b="1" dirty="0"/>
+          </a:p>
+          <a:p>
+            <a:endParaRPr lang="en-US" dirty="0"/>
+          </a:p>
+        </p:txBody>
+      </p:sp>
+      <p:sp>
+        <p:nvSpPr>
+          <p:cNvPr id="6" name="TextBox 5"/>
+          <p:cNvSpPr txBox="1"/>
+          <p:nvPr/>
+        </p:nvSpPr>
+        <p:spPr>
+          <a:xfrm>
+            <a:off x="2909365" y="3933056"/>
+            <a:ext cx="1465466" cy="923330"/>
+          </a:xfrm>
+          <a:prstGeom prst="rect">
+            <a:avLst/>
+          </a:prstGeom>
+          <a:noFill/>
+        </p:spPr>
+        <p:txBody>
+          <a:bodyPr wrap="none" rtlCol="0">
+            <a:spAutoFit/>
+          </a:bodyPr>
+          <a:lstStyle/>
+          <a:p>
+            <a:pPr marL="342900" indent="-342900">
+              <a:buFont typeface="Arial" panose="020B0604020202020204" pitchFamily="34" charset="0"/>
+              <a:buChar char="•"/>
+            </a:pPr>
+            <a:r>
+              <a:rPr lang="en-US" dirty="0"/>
+              <a:t>S</a:t>
+            </a:r>
+            <a:r>
+              <a:rPr lang="en-US" dirty="0" smtClean="0"/>
+              <a:t>(-</a:t>
+            </a:r>
+            <a:r>
+              <a:rPr lang="en-US" dirty="0" err="1" smtClean="0"/>
+              <a:t>inf</a:t>
+            </a:r>
+            <a:r>
+              <a:rPr lang="en-US" dirty="0" smtClean="0"/>
+              <a:t>) = 0</a:t>
+            </a:r>
+          </a:p>
+          <a:p>
+            <a:pPr marL="342900" indent="-342900">
+              <a:buFont typeface="Arial" panose="020B0604020202020204" pitchFamily="34" charset="0"/>
+              <a:buChar char="•"/>
+            </a:pPr>
+            <a:r>
+              <a:rPr lang="en-US" dirty="0" smtClean="0"/>
+              <a:t>S(0) = 0.5</a:t>
+            </a:r>
+          </a:p>
+          <a:p>
+            <a:pPr marL="342900" indent="-342900">
+              <a:buFont typeface="Arial" panose="020B0604020202020204" pitchFamily="34" charset="0"/>
+              <a:buChar char="•"/>
+            </a:pPr>
+            <a:r>
+              <a:rPr lang="en-US" dirty="0" smtClean="0"/>
+              <a:t>S(</a:t>
+            </a:r>
+            <a:r>
+              <a:rPr lang="en-US" dirty="0" err="1" smtClean="0"/>
+              <a:t>inf</a:t>
+            </a:r>
+            <a:r>
+              <a:rPr lang="en-US" dirty="0" smtClean="0"/>
+              <a:t>) = 1</a:t>
+            </a:r>
+          </a:p>
+        </p:txBody>
+      </p:sp>
+      <p:pic>
+        <p:nvPicPr>
+          <p:cNvPr id="7" name="Picture 6"/>
+          <p:cNvPicPr>
+            <a:picLocks noChangeAspect="1"/>
+          </p:cNvPicPr>
+          <p:nvPr/>
+        </p:nvPicPr>
+        <p:blipFill>
+          <a:blip r:embed="rId2"/>
+          <a:stretch>
+            <a:fillRect/>
+          </a:stretch>
+        </p:blipFill>
+        <p:spPr>
+          <a:xfrm>
+            <a:off x="4743065" y="3599151"/>
+            <a:ext cx="4280913" cy="3245041"/>
+          </a:xfrm>
+          <a:prstGeom prst="rect">
+            <a:avLst/>
+          </a:prstGeom>
+        </p:spPr>
+      </p:pic>
+      <p:pic>
+        <p:nvPicPr>
+          <p:cNvPr id="8" name="Picture 7"/>
+          <p:cNvPicPr>
+            <a:picLocks noChangeAspect="1"/>
+          </p:cNvPicPr>
+          <p:nvPr/>
+        </p:nvPicPr>
+        <p:blipFill>
+          <a:blip r:embed="rId3"/>
+          <a:stretch>
+            <a:fillRect/>
+          </a:stretch>
+        </p:blipFill>
+        <p:spPr>
+          <a:xfrm>
+            <a:off x="827584" y="3789848"/>
+            <a:ext cx="1941847" cy="847848"/>
+          </a:xfrm>
+          <a:prstGeom prst="rect">
+            <a:avLst/>
+          </a:prstGeom>
+        </p:spPr>
+      </p:pic>
+      <p:sp>
+        <p:nvSpPr>
+          <p:cNvPr id="11" name="TextBox 10"/>
+          <p:cNvSpPr txBox="1"/>
+          <p:nvPr/>
+        </p:nvSpPr>
+        <p:spPr>
+          <a:xfrm>
+            <a:off x="956377" y="4856386"/>
+            <a:ext cx="3397212" cy="646331"/>
+          </a:xfrm>
+          <a:prstGeom prst="rect">
+            <a:avLst/>
+          </a:prstGeom>
+          <a:noFill/>
+        </p:spPr>
+        <p:txBody>
+          <a:bodyPr wrap="none" rtlCol="0">
+            <a:spAutoFit/>
+          </a:bodyPr>
+          <a:lstStyle/>
+          <a:p>
+            <a:r>
+              <a:rPr lang="en-US" dirty="0" smtClean="0"/>
+              <a:t>Input to the function is algorithm’s</a:t>
+            </a:r>
+          </a:p>
+          <a:p>
+            <a:r>
+              <a:rPr lang="en-US" dirty="0" smtClean="0"/>
+              <a:t>prediction </a:t>
+            </a:r>
+            <a:r>
+              <a:rPr lang="en-US" dirty="0" err="1" smtClean="0"/>
+              <a:t>i.e</a:t>
+            </a:r>
+            <a:r>
+              <a:rPr lang="en-US" dirty="0" smtClean="0"/>
+              <a:t> z = (B</a:t>
+            </a:r>
+            <a:r>
+              <a:rPr lang="en-US" baseline="-25000" dirty="0" smtClean="0"/>
+              <a:t>0 </a:t>
+            </a:r>
+            <a:r>
+              <a:rPr lang="en-US" dirty="0" smtClean="0"/>
+              <a:t>+ B</a:t>
+            </a:r>
+            <a:r>
+              <a:rPr lang="en-US" baseline="-25000" dirty="0" smtClean="0"/>
+              <a:t>1</a:t>
+            </a:r>
+            <a:r>
+              <a:rPr lang="en-US" dirty="0" smtClean="0"/>
+              <a:t>X)</a:t>
+            </a:r>
+          </a:p>
+        </p:txBody>
+      </p:sp>
+    </p:spTree>
+    <p:extLst>
+      <p:ext uri="{BB962C8B-B14F-4D97-AF65-F5344CB8AC3E}">
+        <p14:creationId xmlns:p14="http://schemas.microsoft.com/office/powerpoint/2010/main" val="605408679"/>
+      </p:ext>
+    </p:extLst>
+  </p:cSld>
+  <p:clrMapOvr>
+    <a:masterClrMapping/>
+  </p:clrMapOvr>
+</p:sld>
+</file>
+
+<file path=ppt/slides/slide17.xml><?xml version="1.0" encoding="utf-8"?>
+<p:sld xmlns:a="http://schemas.openxmlformats.org/drawingml/2006/main" xmlns:r="http://schemas.openxmlformats.org/officeDocument/2006/relationships" xmlns:p="http://schemas.openxmlformats.org/presentationml/2006/main">
+  <p:cSld>
+    <p:spTree>
+      <p:nvGrpSpPr>
+        <p:cNvPr id="1" name=""/>
+        <p:cNvGrpSpPr/>
+        <p:nvPr/>
+      </p:nvGrpSpPr>
+      <p:grpSpPr>
+        <a:xfrm>
+          <a:off x="0" y="0"/>
+          <a:ext cx="0" cy="0"/>
+          <a:chOff x="0" y="0"/>
+          <a:chExt cx="0" cy="0"/>
+        </a:xfrm>
+      </p:grpSpPr>
+      <p:sp>
+        <p:nvSpPr>
+          <p:cNvPr id="2" name="Title 1"/>
+          <p:cNvSpPr>
+            <a:spLocks noGrp="1"/>
+          </p:cNvSpPr>
+          <p:nvPr>
+            <p:ph type="title"/>
+          </p:nvPr>
+        </p:nvSpPr>
+        <p:spPr/>
+        <p:txBody>
+          <a:bodyPr/>
+          <a:lstStyle/>
+          <a:p>
+            <a:r>
+              <a:rPr lang="en-US" dirty="0" smtClean="0"/>
+              <a:t>Decision Boundary</a:t>
+            </a:r>
+            <a:endParaRPr lang="en-US" dirty="0"/>
+          </a:p>
+        </p:txBody>
+      </p:sp>
+      <p:sp>
+        <p:nvSpPr>
+          <p:cNvPr id="3" name="Content Placeholder 2"/>
+          <p:cNvSpPr>
+            <a:spLocks noGrp="1"/>
+          </p:cNvSpPr>
+          <p:nvPr>
+            <p:ph sz="quarter" idx="1"/>
+          </p:nvPr>
+        </p:nvSpPr>
+        <p:spPr/>
+        <p:txBody>
+          <a:bodyPr/>
+          <a:lstStyle/>
+          <a:p>
+            <a:r>
+              <a:rPr lang="en-US" dirty="0" smtClean="0"/>
+              <a:t>Our </a:t>
+            </a:r>
+            <a:r>
+              <a:rPr lang="en-US" dirty="0"/>
+              <a:t>current prediction function returns a probability </a:t>
+            </a:r>
+            <a:r>
+              <a:rPr lang="en-US" dirty="0" smtClean="0"/>
+              <a:t>score (p) </a:t>
+            </a:r>
+            <a:r>
+              <a:rPr lang="en-US" dirty="0"/>
+              <a:t>between 0 and 1. </a:t>
+            </a:r>
+            <a:endParaRPr lang="en-US" dirty="0" smtClean="0"/>
+          </a:p>
+          <a:p>
+            <a:r>
+              <a:rPr lang="en-US" dirty="0" smtClean="0"/>
+              <a:t>In </a:t>
+            </a:r>
+            <a:r>
+              <a:rPr lang="en-US" dirty="0"/>
+              <a:t>order to map this to a discrete </a:t>
+            </a:r>
+            <a:r>
+              <a:rPr lang="en-US" dirty="0" smtClean="0"/>
+              <a:t>class, we </a:t>
+            </a:r>
+            <a:r>
+              <a:rPr lang="en-US" dirty="0"/>
+              <a:t>select a threshold </a:t>
+            </a:r>
+            <a:r>
+              <a:rPr lang="en-US" dirty="0" smtClean="0"/>
+              <a:t>value such that </a:t>
+            </a:r>
+          </a:p>
+          <a:p>
+            <a:r>
+              <a:rPr lang="en-US" dirty="0" smtClean="0"/>
+              <a:t>If p ≥ threshold, class = 1  </a:t>
+            </a:r>
+          </a:p>
+          <a:p>
+            <a:r>
+              <a:rPr lang="en-US" dirty="0" smtClean="0"/>
+              <a:t>If p &lt; </a:t>
+            </a:r>
+            <a:r>
+              <a:rPr lang="en-US" dirty="0"/>
+              <a:t>threshold</a:t>
+            </a:r>
+            <a:r>
+              <a:rPr lang="en-US" dirty="0" smtClean="0"/>
+              <a:t>, class = 0</a:t>
+            </a:r>
+          </a:p>
+          <a:p>
+            <a:r>
+              <a:rPr lang="en-US" dirty="0" smtClean="0"/>
+              <a:t>E.g. if p = 0.4 and threshold = 0.5, then class = 0</a:t>
+            </a:r>
+            <a:endParaRPr lang="en-US" dirty="0"/>
+          </a:p>
+        </p:txBody>
+      </p:sp>
+    </p:spTree>
+    <p:extLst>
+      <p:ext uri="{BB962C8B-B14F-4D97-AF65-F5344CB8AC3E}">
+        <p14:creationId xmlns:p14="http://schemas.microsoft.com/office/powerpoint/2010/main" val="2165691350"/>
+      </p:ext>
+    </p:extLst>
+  </p:cSld>
+  <p:clrMapOvr>
+    <a:masterClrMapping/>
+  </p:clrMapOvr>
+  <p:timing>
+    <p:tnLst>
+      <p:par>
+        <p:cTn id="1" dur="indefinite" restart="never" nodeType="tmRoot"/>
+      </p:par>
+    </p:tnLst>
+  </p:timing>
+</p:sld>
+</file>
+
+<file path=ppt/slides/slide18.xml><?xml version="1.0" encoding="utf-8"?>
+<p:sld xmlns:a="http://schemas.openxmlformats.org/drawingml/2006/main" xmlns:r="http://schemas.openxmlformats.org/officeDocument/2006/relationships" xmlns:p="http://schemas.openxmlformats.org/presentationml/2006/main">
+  <p:cSld>
+    <p:spTree>
+      <p:nvGrpSpPr>
+        <p:cNvPr id="1" name=""/>
+        <p:cNvGrpSpPr/>
+        <p:nvPr/>
+      </p:nvGrpSpPr>
+      <p:grpSpPr>
+        <a:xfrm>
+          <a:off x="0" y="0"/>
+          <a:ext cx="0" cy="0"/>
+          <a:chOff x="0" y="0"/>
+          <a:chExt cx="0" cy="0"/>
+        </a:xfrm>
+      </p:grpSpPr>
+      <p:sp>
+        <p:nvSpPr>
+          <p:cNvPr id="2" name="Title 1"/>
+          <p:cNvSpPr>
+            <a:spLocks noGrp="1"/>
+          </p:cNvSpPr>
+          <p:nvPr>
+            <p:ph type="title"/>
+          </p:nvPr>
+        </p:nvSpPr>
+        <p:spPr/>
+        <p:txBody>
+          <a:bodyPr/>
+          <a:lstStyle/>
+          <a:p>
+            <a:r>
+              <a:rPr lang="en-US" dirty="0" smtClean="0"/>
+              <a:t>Cost Function of </a:t>
+            </a:r>
+            <a:r>
+              <a:rPr lang="en-US" dirty="0" err="1" smtClean="0"/>
+              <a:t>LogReg</a:t>
+            </a:r>
+            <a:endParaRPr lang="en-US" dirty="0"/>
+          </a:p>
+        </p:txBody>
+      </p:sp>
+      <mc:AlternateContent xmlns:mc="http://schemas.openxmlformats.org/markup-compatibility/2006">
+        <mc:Choice xmlns:a14="http://schemas.microsoft.com/office/drawing/2010/main" Requires="a14">
+          <p:sp>
+            <p:nvSpPr>
+              <p:cNvPr id="3" name="Content Placeholder 2"/>
+              <p:cNvSpPr>
+                <a:spLocks noGrp="1"/>
+              </p:cNvSpPr>
+              <p:nvPr>
+                <p:ph sz="quarter" idx="1"/>
+              </p:nvPr>
+            </p:nvSpPr>
+            <p:spPr/>
+            <p:txBody>
+              <a:bodyPr>
+                <a:normAutofit fontScale="92500" lnSpcReduction="10000"/>
+              </a:bodyPr>
+              <a:lstStyle/>
+              <a:p>
+                <a:r>
+                  <a:rPr lang="en-US" dirty="0" smtClean="0"/>
+                  <a:t>Cost Function of </a:t>
+                </a:r>
+                <a:r>
+                  <a:rPr lang="en-US" dirty="0" err="1" smtClean="0"/>
+                  <a:t>LinReg</a:t>
+                </a:r>
+                <a:r>
+                  <a:rPr lang="en-US" dirty="0" smtClean="0"/>
+                  <a:t> won’t work for </a:t>
+                </a:r>
+                <a:r>
+                  <a:rPr lang="en-US" dirty="0" err="1" smtClean="0"/>
+                  <a:t>LogReg</a:t>
+                </a:r>
+                <a:r>
+                  <a:rPr lang="en-US" dirty="0" smtClean="0"/>
+                  <a:t>.</a:t>
+                </a:r>
+              </a:p>
+              <a:p>
+                <a:pPr marL="0" indent="0" algn="ctr">
+                  <a:buNone/>
+                </a:pPr>
+                <a:r>
+                  <a:rPr lang="en-US" dirty="0" smtClean="0">
+                    <a:latin typeface="Cambria Math" panose="02040503050406030204" pitchFamily="18" charset="0"/>
+                    <a:ea typeface="Cambria Math" panose="02040503050406030204" pitchFamily="18" charset="0"/>
+                  </a:rPr>
+                  <a:t>C(X,</a:t>
+                </a:r>
+                <a:r>
+                  <a:rPr lang="el-GR" dirty="0" smtClean="0">
+                    <a:latin typeface="Cambria Math" panose="02040503050406030204" pitchFamily="18" charset="0"/>
+                    <a:ea typeface="Cambria Math" panose="02040503050406030204" pitchFamily="18" charset="0"/>
+                  </a:rPr>
+                  <a:t>β</a:t>
+                </a:r>
+                <a:r>
+                  <a:rPr lang="en-US" dirty="0" smtClean="0">
+                    <a:latin typeface="Cambria Math" panose="02040503050406030204" pitchFamily="18" charset="0"/>
+                    <a:ea typeface="Cambria Math" panose="02040503050406030204" pitchFamily="18" charset="0"/>
+                  </a:rPr>
+                  <a:t>) =</a:t>
+                </a:r>
+                <a14:m>
+                  <m:oMath xmlns:m="http://schemas.openxmlformats.org/officeDocument/2006/math">
+                    <m:nary>
+                      <m:naryPr>
+                        <m:chr m:val="∑"/>
+                        <m:ctrlPr>
+                          <a:rPr lang="pt-BR" i="1" smtClean="0">
+                            <a:latin typeface="Cambria Math" panose="02040503050406030204" pitchFamily="18" charset="0"/>
+                            <a:ea typeface="Cambria Math" panose="02040503050406030204" pitchFamily="18" charset="0"/>
+                          </a:rPr>
+                        </m:ctrlPr>
+                      </m:naryPr>
+                      <m:sub>
+                        <m:r>
+                          <m:rPr>
+                            <m:brk m:alnAt="23"/>
+                          </m:rPr>
+                          <a:rPr lang="en-US" b="0" i="1" smtClean="0">
+                            <a:latin typeface="Cambria Math" panose="02040503050406030204" pitchFamily="18" charset="0"/>
+                            <a:ea typeface="Cambria Math" panose="02040503050406030204" pitchFamily="18" charset="0"/>
+                          </a:rPr>
+                          <m:t>𝑖</m:t>
+                        </m:r>
+                        <m:r>
+                          <a:rPr lang="pt-BR" i="1" smtClean="0">
+                            <a:latin typeface="Cambria Math" panose="02040503050406030204" pitchFamily="18" charset="0"/>
+                            <a:ea typeface="Cambria Math" panose="02040503050406030204" pitchFamily="18" charset="0"/>
+                          </a:rPr>
+                          <m:t>=0</m:t>
+                        </m:r>
+                      </m:sub>
+                      <m:sup>
+                        <m:r>
+                          <a:rPr lang="pt-BR" i="1" smtClean="0">
+                            <a:latin typeface="Cambria Math" panose="02040503050406030204" pitchFamily="18" charset="0"/>
+                            <a:ea typeface="Cambria Math" panose="02040503050406030204" pitchFamily="18" charset="0"/>
+                          </a:rPr>
+                          <m:t>𝑛</m:t>
+                        </m:r>
+                      </m:sup>
+                      <m:e>
+                        <m:r>
+                          <m:rPr>
+                            <m:nor/>
+                          </m:rPr>
+                          <a:rPr lang="en-US" dirty="0">
+                            <a:latin typeface="Cambria Math" panose="02040503050406030204" pitchFamily="18" charset="0"/>
+                            <a:ea typeface="Cambria Math" panose="02040503050406030204" pitchFamily="18" charset="0"/>
+                          </a:rPr>
+                          <m:t>Yi</m:t>
+                        </m:r>
+                        <m:r>
+                          <m:rPr>
+                            <m:nor/>
+                          </m:rPr>
+                          <a:rPr lang="en-US" dirty="0">
+                            <a:latin typeface="Cambria Math" panose="02040503050406030204" pitchFamily="18" charset="0"/>
+                            <a:ea typeface="Cambria Math" panose="02040503050406030204" pitchFamily="18" charset="0"/>
+                          </a:rPr>
+                          <m:t> * </m:t>
+                        </m:r>
+                        <m:r>
+                          <m:rPr>
+                            <m:nor/>
+                          </m:rPr>
+                          <a:rPr lang="en-US" dirty="0">
+                            <a:latin typeface="Cambria Math" panose="02040503050406030204" pitchFamily="18" charset="0"/>
+                            <a:ea typeface="Cambria Math" panose="02040503050406030204" pitchFamily="18" charset="0"/>
+                          </a:rPr>
+                          <m:t>P</m:t>
+                        </m:r>
+                        <m:r>
+                          <m:rPr>
+                            <m:nor/>
+                          </m:rPr>
+                          <a:rPr lang="en-US" dirty="0">
+                            <a:latin typeface="Cambria Math" panose="02040503050406030204" pitchFamily="18" charset="0"/>
+                            <a:ea typeface="Cambria Math" panose="02040503050406030204" pitchFamily="18" charset="0"/>
+                          </a:rPr>
+                          <m:t>(</m:t>
+                        </m:r>
+                        <m:r>
+                          <m:rPr>
+                            <m:nor/>
+                          </m:rPr>
+                          <a:rPr lang="en-US" dirty="0">
+                            <a:latin typeface="Cambria Math" panose="02040503050406030204" pitchFamily="18" charset="0"/>
+                            <a:ea typeface="Cambria Math" panose="02040503050406030204" pitchFamily="18" charset="0"/>
+                          </a:rPr>
+                          <m:t>Yi</m:t>
+                        </m:r>
+                        <m:r>
+                          <m:rPr>
+                            <m:nor/>
+                          </m:rPr>
+                          <a:rPr lang="en-US" dirty="0">
+                            <a:latin typeface="Cambria Math" panose="02040503050406030204" pitchFamily="18" charset="0"/>
+                            <a:ea typeface="Cambria Math" panose="02040503050406030204" pitchFamily="18" charset="0"/>
+                          </a:rPr>
+                          <m:t> = 1) + (1 – </m:t>
+                        </m:r>
+                        <m:r>
+                          <m:rPr>
+                            <m:nor/>
+                          </m:rPr>
+                          <a:rPr lang="en-US" dirty="0">
+                            <a:latin typeface="Cambria Math" panose="02040503050406030204" pitchFamily="18" charset="0"/>
+                            <a:ea typeface="Cambria Math" panose="02040503050406030204" pitchFamily="18" charset="0"/>
+                          </a:rPr>
+                          <m:t>Yi</m:t>
+                        </m:r>
+                        <m:r>
+                          <m:rPr>
+                            <m:nor/>
+                          </m:rPr>
+                          <a:rPr lang="en-US" dirty="0">
+                            <a:latin typeface="Cambria Math" panose="02040503050406030204" pitchFamily="18" charset="0"/>
+                            <a:ea typeface="Cambria Math" panose="02040503050406030204" pitchFamily="18" charset="0"/>
+                          </a:rPr>
+                          <m:t>) * </m:t>
+                        </m:r>
+                        <m:r>
+                          <m:rPr>
+                            <m:nor/>
+                          </m:rPr>
+                          <a:rPr lang="en-US" dirty="0">
+                            <a:latin typeface="Cambria Math" panose="02040503050406030204" pitchFamily="18" charset="0"/>
+                            <a:ea typeface="Cambria Math" panose="02040503050406030204" pitchFamily="18" charset="0"/>
+                          </a:rPr>
+                          <m:t>P</m:t>
+                        </m:r>
+                        <m:r>
+                          <m:rPr>
+                            <m:nor/>
+                          </m:rPr>
+                          <a:rPr lang="en-US" dirty="0">
+                            <a:latin typeface="Cambria Math" panose="02040503050406030204" pitchFamily="18" charset="0"/>
+                            <a:ea typeface="Cambria Math" panose="02040503050406030204" pitchFamily="18" charset="0"/>
+                          </a:rPr>
+                          <m:t>(</m:t>
+                        </m:r>
+                        <m:r>
+                          <m:rPr>
+                            <m:nor/>
+                          </m:rPr>
+                          <a:rPr lang="en-US" dirty="0">
+                            <a:latin typeface="Cambria Math" panose="02040503050406030204" pitchFamily="18" charset="0"/>
+                            <a:ea typeface="Cambria Math" panose="02040503050406030204" pitchFamily="18" charset="0"/>
+                          </a:rPr>
+                          <m:t>Yi</m:t>
+                        </m:r>
+                        <m:r>
+                          <m:rPr>
+                            <m:nor/>
+                          </m:rPr>
+                          <a:rPr lang="en-US" dirty="0">
+                            <a:latin typeface="Cambria Math" panose="02040503050406030204" pitchFamily="18" charset="0"/>
+                            <a:ea typeface="Cambria Math" panose="02040503050406030204" pitchFamily="18" charset="0"/>
+                          </a:rPr>
+                          <m:t> = 0)</m:t>
+                        </m:r>
+                      </m:e>
+                    </m:nary>
+                  </m:oMath>
+                </a14:m>
+                <a:r>
+                  <a:rPr lang="en-US" dirty="0" smtClean="0">
+                    <a:latin typeface="Cambria Math" panose="02040503050406030204" pitchFamily="18" charset="0"/>
+                    <a:ea typeface="Cambria Math" panose="02040503050406030204" pitchFamily="18" charset="0"/>
+                  </a:rPr>
+                  <a:t> </a:t>
+                </a:r>
+              </a:p>
+              <a:p>
+                <a:endParaRPr lang="en-US" dirty="0" smtClean="0"/>
+              </a:p>
+              <a:p>
+                <a:pPr marL="0" indent="0">
+                  <a:buNone/>
+                </a:pPr>
+                <a:endParaRPr lang="en-US" dirty="0" smtClean="0"/>
+              </a:p>
+              <a:p>
+                <a:endParaRPr lang="en-US" dirty="0" smtClean="0"/>
+              </a:p>
+              <a:p>
+                <a:endParaRPr lang="en-US" dirty="0"/>
+              </a:p>
+              <a:p>
+                <a:endParaRPr lang="en-US" dirty="0" smtClean="0"/>
+              </a:p>
+              <a:p>
+                <a:r>
+                  <a:rPr lang="en-US" dirty="0" smtClean="0"/>
+                  <a:t>Our Objective is to obtain such values of regression coefficients (</a:t>
+                </a:r>
+                <a:r>
+                  <a:rPr lang="el-GR" dirty="0" smtClean="0">
+                    <a:latin typeface="Cambria Math" panose="02040503050406030204" pitchFamily="18" charset="0"/>
+                    <a:ea typeface="Cambria Math" panose="02040503050406030204" pitchFamily="18" charset="0"/>
+                  </a:rPr>
+                  <a:t>β</a:t>
+                </a:r>
+                <a:r>
+                  <a:rPr lang="en-US" dirty="0" smtClean="0">
+                    <a:latin typeface="Cambria Math" panose="02040503050406030204" pitchFamily="18" charset="0"/>
+                    <a:ea typeface="Cambria Math" panose="02040503050406030204" pitchFamily="18" charset="0"/>
+                  </a:rPr>
+                  <a:t>’s)</a:t>
+                </a:r>
+                <a:r>
+                  <a:rPr lang="en-US" dirty="0" smtClean="0"/>
+                  <a:t> which minimize </a:t>
+                </a:r>
+                <a:r>
+                  <a:rPr lang="en-US" dirty="0"/>
+                  <a:t>t</a:t>
+                </a:r>
+                <a:r>
+                  <a:rPr lang="en-US" dirty="0" smtClean="0"/>
+                  <a:t>he cost function.</a:t>
+                </a:r>
+              </a:p>
+              <a:p>
+                <a:r>
+                  <a:rPr lang="en-US" dirty="0" smtClean="0"/>
+                  <a:t>Gradient Descent algorithm or Maximum Likelihood estimators can be used to find the regression coefficients. is used </a:t>
+                </a:r>
+                <a:endParaRPr lang="en-US" dirty="0"/>
+              </a:p>
+            </p:txBody>
+          </p:sp>
+        </mc:Choice>
+        <mc:Fallback>
+          <p:sp>
+            <p:nvSpPr>
+              <p:cNvPr id="3" name="Content Placeholder 2"/>
+              <p:cNvSpPr>
+                <a:spLocks noGrp="1" noRot="1" noChangeAspect="1" noMove="1" noResize="1" noEditPoints="1" noAdjustHandles="1" noChangeArrowheads="1" noChangeShapeType="1" noTextEdit="1"/>
+              </p:cNvSpPr>
+              <p:nvPr>
+                <p:ph sz="quarter" idx="1"/>
+              </p:nvPr>
+            </p:nvSpPr>
+            <p:spPr>
+              <a:blipFill>
+                <a:blip r:embed="rId2"/>
+                <a:stretch>
+                  <a:fillRect l="-519" t="-4691"/>
+                </a:stretch>
+              </a:blipFill>
+            </p:spPr>
+            <p:txBody>
+              <a:bodyPr/>
+              <a:lstStyle/>
+              <a:p>
+                <a:r>
+                  <a:rPr lang="en-US">
+                    <a:noFill/>
+                  </a:rPr>
+                  <a:t> </a:t>
+                </a:r>
+              </a:p>
+            </p:txBody>
+          </p:sp>
+        </mc:Fallback>
+      </mc:AlternateContent>
+      <p:pic>
+        <p:nvPicPr>
+          <p:cNvPr id="3074" name="Picture 2" descr="https://miro.medium.com/max/523/1*l59BUnPwWHMf1H-GNxgZHQ.png"/>
+          <p:cNvPicPr>
+            <a:picLocks noChangeAspect="1" noChangeArrowheads="1"/>
+          </p:cNvPicPr>
+          <p:nvPr/>
+        </p:nvPicPr>
+        <p:blipFill rotWithShape="1">
+          <a:blip r:embed="rId3">
+            <a:extLst>
+              <a:ext uri="{28A0092B-C50C-407E-A947-70E740481C1C}">
+                <a14:useLocalDpi xmlns:a14="http://schemas.microsoft.com/office/drawing/2010/main" val="0"/>
+              </a:ext>
+            </a:extLst>
+          </a:blip>
+          <a:srcRect l="4337" t="9569" r="6043" b="23444"/>
+          <a:stretch/>
+        </p:blipFill>
+        <p:spPr bwMode="auto">
+          <a:xfrm>
+            <a:off x="827584" y="2017063"/>
+            <a:ext cx="4464496" cy="1008112"/>
+          </a:xfrm>
+          <a:prstGeom prst="rect">
+            <a:avLst/>
+          </a:prstGeom>
+          <a:noFill/>
+          <a:extLst>
+            <a:ext uri="{909E8E84-426E-40DD-AFC4-6F175D3DCCD1}">
+              <a14:hiddenFill xmlns:a14="http://schemas.microsoft.com/office/drawing/2010/main">
+                <a:solidFill>
+                  <a:srgbClr val="FFFFFF"/>
+                </a:solidFill>
+              </a14:hiddenFill>
+            </a:ext>
+          </a:extLst>
+        </p:spPr>
+      </p:pic>
+      <p:pic>
+        <p:nvPicPr>
+          <p:cNvPr id="3078" name="Picture 6" descr="https://miro.medium.com/max/1418/1*_52kKSp8zWgVTNtnE2eYrg.png"/>
+          <p:cNvPicPr>
+            <a:picLocks noChangeAspect="1" noChangeArrowheads="1"/>
+          </p:cNvPicPr>
+          <p:nvPr/>
+        </p:nvPicPr>
+        <p:blipFill rotWithShape="1">
+          <a:blip r:embed="rId4">
+            <a:extLst>
+              <a:ext uri="{28A0092B-C50C-407E-A947-70E740481C1C}">
+                <a14:useLocalDpi xmlns:a14="http://schemas.microsoft.com/office/drawing/2010/main" val="0"/>
+              </a:ext>
+            </a:extLst>
+          </a:blip>
+          <a:srcRect l="1067" t="9603" r="2969" b="28503"/>
+          <a:stretch/>
+        </p:blipFill>
+        <p:spPr bwMode="auto">
+          <a:xfrm>
+            <a:off x="860229" y="3025175"/>
+            <a:ext cx="7826571" cy="978967"/>
+          </a:xfrm>
+          <a:prstGeom prst="rect">
+            <a:avLst/>
+          </a:prstGeom>
+          <a:noFill/>
+          <a:extLst>
+            <a:ext uri="{909E8E84-426E-40DD-AFC4-6F175D3DCCD1}">
+              <a14:hiddenFill xmlns:a14="http://schemas.microsoft.com/office/drawing/2010/main">
+                <a:solidFill>
+                  <a:srgbClr val="FFFFFF"/>
+                </a:solidFill>
+              </a14:hiddenFill>
+            </a:ext>
+          </a:extLst>
+        </p:spPr>
+      </p:pic>
+    </p:spTree>
+    <p:extLst>
+      <p:ext uri="{BB962C8B-B14F-4D97-AF65-F5344CB8AC3E}">
+        <p14:creationId xmlns:p14="http://schemas.microsoft.com/office/powerpoint/2010/main" val="3398600338"/>
+      </p:ext>
+    </p:extLst>
+  </p:cSld>
+  <p:clrMapOvr>
+    <a:masterClrMapping/>
+  </p:clrMapOvr>
+</p:sld>
+</file>
+
+<file path=ppt/slides/slide19.xml><?xml version="1.0" encoding="utf-8"?>
+<p:sld xmlns:a="http://schemas.openxmlformats.org/drawingml/2006/main" xmlns:r="http://schemas.openxmlformats.org/officeDocument/2006/relationships" xmlns:p="http://schemas.openxmlformats.org/presentationml/2006/main">
+  <p:cSld>
+    <p:spTree>
+      <p:nvGrpSpPr>
+        <p:cNvPr id="1" name=""/>
+        <p:cNvGrpSpPr/>
+        <p:nvPr/>
+      </p:nvGrpSpPr>
+      <p:grpSpPr>
+        <a:xfrm>
+          <a:off x="0" y="0"/>
+          <a:ext cx="0" cy="0"/>
+          <a:chOff x="0" y="0"/>
+          <a:chExt cx="0" cy="0"/>
+        </a:xfrm>
+      </p:grpSpPr>
+      <p:sp>
+        <p:nvSpPr>
+          <p:cNvPr id="2" name="Title 1"/>
+          <p:cNvSpPr>
+            <a:spLocks noGrp="1"/>
+          </p:cNvSpPr>
+          <p:nvPr>
+            <p:ph type="title"/>
+          </p:nvPr>
+        </p:nvSpPr>
+        <p:spPr/>
+        <p:txBody>
+          <a:bodyPr/>
+          <a:lstStyle/>
+          <a:p>
+            <a:r>
+              <a:rPr lang="en-US" dirty="0" smtClean="0"/>
+              <a:t>Steps from Linear to Logistic Regression</a:t>
+            </a:r>
+            <a:endParaRPr lang="en-US" dirty="0"/>
+          </a:p>
+        </p:txBody>
+      </p:sp>
+      <mc:AlternateContent xmlns:mc="http://schemas.openxmlformats.org/markup-compatibility/2006">
+        <mc:Choice xmlns:a14="http://schemas.microsoft.com/office/drawing/2010/main" Requires="a14">
+          <p:sp>
+            <p:nvSpPr>
+              <p:cNvPr id="3" name="Content Placeholder 2"/>
+              <p:cNvSpPr>
+                <a:spLocks noGrp="1"/>
+              </p:cNvSpPr>
+              <p:nvPr>
+                <p:ph sz="quarter" idx="1"/>
+              </p:nvPr>
+            </p:nvSpPr>
+            <p:spPr/>
+            <p:txBody>
+              <a:bodyPr>
+                <a:normAutofit lnSpcReduction="10000"/>
+              </a:bodyPr>
+              <a:lstStyle/>
+              <a:p>
+                <a:r>
+                  <a:rPr lang="en-US" dirty="0" smtClean="0"/>
+                  <a:t>In </a:t>
+                </a:r>
+                <a:r>
+                  <a:rPr lang="en-US" dirty="0" err="1" smtClean="0"/>
+                  <a:t>LinReg</a:t>
+                </a:r>
+                <a:r>
+                  <a:rPr lang="en-US" dirty="0" smtClean="0"/>
+                  <a:t>, relationship between target and features </a:t>
+                </a:r>
+              </a:p>
+              <a:p>
+                <a:pPr marL="0" indent="0" algn="ctr">
+                  <a:buNone/>
+                </a:pPr>
+                <a:r>
+                  <a:rPr lang="en-US" dirty="0" smtClean="0"/>
+                  <a:t>Yi </a:t>
+                </a:r>
+                <a:r>
+                  <a:rPr lang="en-US" dirty="0"/>
+                  <a:t>= </a:t>
+                </a:r>
+                <a:r>
+                  <a:rPr lang="el-GR" dirty="0"/>
+                  <a:t>β</a:t>
+                </a:r>
+                <a:r>
+                  <a:rPr lang="en-US" baseline="-25000" dirty="0"/>
+                  <a:t>0  </a:t>
+                </a:r>
+                <a:r>
+                  <a:rPr lang="en-US" dirty="0"/>
+                  <a:t>+ </a:t>
+                </a:r>
+                <a:r>
+                  <a:rPr lang="el-GR" dirty="0"/>
+                  <a:t>β</a:t>
+                </a:r>
+                <a:r>
+                  <a:rPr lang="en-US" baseline="-25000" dirty="0" smtClean="0"/>
+                  <a:t>1</a:t>
+                </a:r>
+                <a:r>
+                  <a:rPr lang="en-US" dirty="0" smtClean="0"/>
+                  <a:t>Xi …(1) where </a:t>
+                </a:r>
+                <a:r>
+                  <a:rPr lang="en-US" dirty="0" err="1" smtClean="0"/>
+                  <a:t>i</a:t>
+                </a:r>
+                <a:r>
+                  <a:rPr lang="en-US" dirty="0" smtClean="0"/>
+                  <a:t> = </a:t>
+                </a:r>
+                <a:r>
+                  <a:rPr lang="en-US" dirty="0" err="1" smtClean="0"/>
+                  <a:t>ith</a:t>
+                </a:r>
+                <a:r>
+                  <a:rPr lang="en-US" dirty="0" smtClean="0"/>
+                  <a:t> observation</a:t>
+                </a:r>
+                <a:endParaRPr lang="en-US" dirty="0"/>
+              </a:p>
+              <a:p>
+                <a:r>
+                  <a:rPr lang="en-US" dirty="0" smtClean="0"/>
+                  <a:t>For classification, probabilities should be between 0 and 1</a:t>
+                </a:r>
+              </a:p>
+              <a:p>
+                <a:r>
+                  <a:rPr lang="en-US" dirty="0" smtClean="0"/>
+                  <a:t>So, wrap the above equation into logistic function to ensure probabilities between 0 and 1</a:t>
+                </a:r>
+              </a:p>
+              <a:p>
+                <a:pPr marL="0" indent="0" algn="ctr">
+                  <a:buNone/>
+                </a:pPr>
+                <a14:m>
+                  <m:oMath xmlns:m="http://schemas.openxmlformats.org/officeDocument/2006/math">
+                    <m:r>
+                      <m:rPr>
+                        <m:sty m:val="p"/>
+                      </m:rPr>
+                      <a:rPr lang="en-US" b="0" i="0" smtClean="0">
+                        <a:latin typeface="Cambria Math" panose="02040503050406030204" pitchFamily="18" charset="0"/>
+                      </a:rPr>
+                      <m:t>Prob</m:t>
+                    </m:r>
+                    <m:r>
+                      <a:rPr lang="en-US" b="0" i="0" smtClean="0">
+                        <a:latin typeface="Cambria Math" panose="02040503050406030204" pitchFamily="18" charset="0"/>
+                      </a:rPr>
+                      <m:t>(</m:t>
+                    </m:r>
+                    <m:r>
+                      <m:rPr>
+                        <m:sty m:val="p"/>
+                      </m:rPr>
+                      <a:rPr lang="en-US" b="0" i="0" smtClean="0">
+                        <a:latin typeface="Cambria Math" panose="02040503050406030204" pitchFamily="18" charset="0"/>
+                      </a:rPr>
+                      <m:t>Yi</m:t>
+                    </m:r>
+                    <m:r>
+                      <a:rPr lang="en-US" b="0" i="0" smtClean="0">
+                        <a:latin typeface="Cambria Math" panose="02040503050406030204" pitchFamily="18" charset="0"/>
+                      </a:rPr>
+                      <m:t>=1)=</m:t>
+                    </m:r>
+                    <m:f>
+                      <m:fPr>
+                        <m:ctrlPr>
+                          <a:rPr lang="en-US">
+                            <a:latin typeface="Cambria Math" panose="02040503050406030204" pitchFamily="18" charset="0"/>
+                          </a:rPr>
+                        </m:ctrlPr>
+                      </m:fPr>
+                      <m:num>
+                        <m:r>
+                          <a:rPr lang="en-US">
+                            <a:latin typeface="Cambria Math" panose="02040503050406030204" pitchFamily="18" charset="0"/>
+                          </a:rPr>
+                          <m:t>1</m:t>
+                        </m:r>
+                      </m:num>
+                      <m:den>
+                        <m:r>
+                          <a:rPr lang="en-US">
+                            <a:latin typeface="Cambria Math" panose="02040503050406030204" pitchFamily="18" charset="0"/>
+                          </a:rPr>
+                          <m:t>1+</m:t>
+                        </m:r>
+                        <m:r>
+                          <m:rPr>
+                            <m:sty m:val="p"/>
+                          </m:rPr>
+                          <a:rPr lang="en-US">
+                            <a:latin typeface="Cambria Math" panose="02040503050406030204" pitchFamily="18" charset="0"/>
+                          </a:rPr>
+                          <m:t>exp</m:t>
+                        </m:r>
+                        <m:r>
+                          <a:rPr lang="en-US">
+                            <a:latin typeface="Cambria Math" panose="02040503050406030204" pitchFamily="18" charset="0"/>
+                          </a:rPr>
+                          <m:t>⁡(−</m:t>
+                        </m:r>
+                        <m:d>
+                          <m:dPr>
+                            <m:ctrlPr>
+                              <a:rPr lang="en-US" i="1">
+                                <a:latin typeface="Cambria Math" panose="02040503050406030204" pitchFamily="18" charset="0"/>
+                              </a:rPr>
+                            </m:ctrlPr>
+                          </m:dPr>
+                          <m:e>
+                            <m:r>
+                              <m:rPr>
+                                <m:sty m:val="p"/>
+                              </m:rPr>
+                              <a:rPr lang="el-GR" i="1" smtClean="0">
+                                <a:latin typeface="Cambria Math" panose="02040503050406030204" pitchFamily="18" charset="0"/>
+                              </a:rPr>
+                              <m:t>β</m:t>
+                            </m:r>
+                            <m:r>
+                              <a:rPr lang="en-US" b="0" i="0" smtClean="0">
+                                <a:latin typeface="Cambria Math" panose="02040503050406030204" pitchFamily="18" charset="0"/>
+                              </a:rPr>
+                              <m:t>0+</m:t>
+                            </m:r>
+                            <m:r>
+                              <m:rPr>
+                                <m:sty m:val="p"/>
+                              </m:rPr>
+                              <a:rPr lang="el-GR" i="1">
+                                <a:latin typeface="Cambria Math" panose="02040503050406030204" pitchFamily="18" charset="0"/>
+                              </a:rPr>
+                              <m:t>β</m:t>
+                            </m:r>
+                            <m:r>
+                              <a:rPr lang="en-US" b="0" i="0" smtClean="0">
+                                <a:latin typeface="Cambria Math" panose="02040503050406030204" pitchFamily="18" charset="0"/>
+                              </a:rPr>
+                              <m:t>1</m:t>
+                            </m:r>
+                            <m:r>
+                              <m:rPr>
+                                <m:sty m:val="p"/>
+                              </m:rPr>
+                              <a:rPr lang="en-US" b="0" i="0" smtClean="0">
+                                <a:latin typeface="Cambria Math" panose="02040503050406030204" pitchFamily="18" charset="0"/>
+                              </a:rPr>
+                              <m:t>Xi</m:t>
+                            </m:r>
+                          </m:e>
+                        </m:d>
+                        <m:r>
+                          <a:rPr lang="en-US" b="0" i="0" smtClean="0">
+                            <a:latin typeface="Cambria Math" panose="02040503050406030204" pitchFamily="18" charset="0"/>
+                          </a:rPr>
+                          <m:t>)</m:t>
+                        </m:r>
+                      </m:den>
+                    </m:f>
+                  </m:oMath>
+                </a14:m>
+                <a:r>
+                  <a:rPr lang="en-US" dirty="0"/>
+                  <a:t> </a:t>
+                </a:r>
+                <a:r>
+                  <a:rPr lang="en-US" dirty="0" smtClean="0"/>
+                  <a:t>  ….. </a:t>
+                </a:r>
+                <a:r>
+                  <a:rPr lang="en-US" dirty="0"/>
+                  <a:t>(2)</a:t>
+                </a:r>
+                <a:endParaRPr lang="en-US" dirty="0">
+                  <a:latin typeface="Cambria Math" panose="02040503050406030204" pitchFamily="18" charset="0"/>
+                </a:endParaRPr>
+              </a:p>
+              <a:p>
+                <a:r>
+                  <a:rPr lang="en-US" dirty="0" smtClean="0"/>
+                  <a:t>Solving </a:t>
+                </a:r>
+                <a:r>
+                  <a:rPr lang="en-US" dirty="0" err="1" smtClean="0"/>
+                  <a:t>eqn</a:t>
+                </a:r>
+                <a:r>
+                  <a:rPr lang="en-US" dirty="0" smtClean="0"/>
+                  <a:t> 2 gives</a:t>
+                </a:r>
+              </a:p>
+              <a:p>
+                <a:pPr marL="0" indent="0" algn="ctr">
+                  <a:buNone/>
+                </a:pPr>
+                <a:r>
+                  <a:rPr lang="en-US" sz="2200" dirty="0">
+                    <a:latin typeface="Cambria Math" panose="02040503050406030204" pitchFamily="18" charset="0"/>
+                    <a:ea typeface="Cambria Math" panose="02040503050406030204" pitchFamily="18" charset="0"/>
+                  </a:rPr>
+                  <a:t>l</a:t>
+                </a:r>
+                <a:r>
+                  <a:rPr lang="en-US" sz="2200" dirty="0" smtClean="0">
+                    <a:latin typeface="Cambria Math" panose="02040503050406030204" pitchFamily="18" charset="0"/>
+                    <a:ea typeface="Cambria Math" panose="02040503050406030204" pitchFamily="18" charset="0"/>
+                  </a:rPr>
+                  <a:t>og</a:t>
+                </a:r>
+                <a:r>
+                  <a:rPr lang="en-US" dirty="0" smtClean="0">
+                    <a:latin typeface="Cambria Math" panose="02040503050406030204" pitchFamily="18" charset="0"/>
+                    <a:ea typeface="Cambria Math" panose="02040503050406030204" pitchFamily="18" charset="0"/>
+                  </a:rPr>
+                  <a:t>(</a:t>
+                </a:r>
+                <a14:m>
+                  <m:oMath xmlns:m="http://schemas.openxmlformats.org/officeDocument/2006/math">
+                    <m:f>
+                      <m:fPr>
+                        <m:ctrlPr>
+                          <a:rPr lang="en-US" i="1" smtClean="0">
+                            <a:latin typeface="Cambria Math" panose="02040503050406030204" pitchFamily="18" charset="0"/>
+                          </a:rPr>
+                        </m:ctrlPr>
+                      </m:fPr>
+                      <m:num>
+                        <m:r>
+                          <a:rPr lang="en-US" b="0" i="1" smtClean="0">
+                            <a:latin typeface="Cambria Math" panose="02040503050406030204" pitchFamily="18" charset="0"/>
+                          </a:rPr>
+                          <m:t>𝑃</m:t>
+                        </m:r>
+                        <m:r>
+                          <a:rPr lang="en-US" b="0" i="1" smtClean="0">
+                            <a:latin typeface="Cambria Math" panose="02040503050406030204" pitchFamily="18" charset="0"/>
+                          </a:rPr>
+                          <m:t>(</m:t>
+                        </m:r>
+                        <m:r>
+                          <a:rPr lang="en-US" b="0" i="1" smtClean="0">
+                            <a:latin typeface="Cambria Math" panose="02040503050406030204" pitchFamily="18" charset="0"/>
+                          </a:rPr>
+                          <m:t>𝑌𝑖</m:t>
+                        </m:r>
+                        <m:r>
+                          <a:rPr lang="en-US" b="0" i="1" smtClean="0">
+                            <a:latin typeface="Cambria Math" panose="02040503050406030204" pitchFamily="18" charset="0"/>
+                          </a:rPr>
+                          <m:t>=1)</m:t>
+                        </m:r>
+                      </m:num>
+                      <m:den>
+                        <m:r>
+                          <a:rPr lang="en-US" b="0" i="1" smtClean="0">
+                            <a:latin typeface="Cambria Math" panose="02040503050406030204" pitchFamily="18" charset="0"/>
+                          </a:rPr>
+                          <m:t>1−</m:t>
+                        </m:r>
+                        <m:r>
+                          <a:rPr lang="en-US" b="0" i="1" smtClean="0">
+                            <a:latin typeface="Cambria Math" panose="02040503050406030204" pitchFamily="18" charset="0"/>
+                          </a:rPr>
+                          <m:t>𝑃</m:t>
+                        </m:r>
+                        <m:r>
+                          <a:rPr lang="en-US" b="0" i="1" smtClean="0">
+                            <a:latin typeface="Cambria Math" panose="02040503050406030204" pitchFamily="18" charset="0"/>
+                          </a:rPr>
+                          <m:t>(</m:t>
+                        </m:r>
+                        <m:r>
+                          <a:rPr lang="en-US" b="0" i="1" smtClean="0">
+                            <a:latin typeface="Cambria Math" panose="02040503050406030204" pitchFamily="18" charset="0"/>
+                          </a:rPr>
+                          <m:t>𝑌𝑖</m:t>
+                        </m:r>
+                        <m:r>
+                          <a:rPr lang="en-US" b="0" i="1" smtClean="0">
+                            <a:latin typeface="Cambria Math" panose="02040503050406030204" pitchFamily="18" charset="0"/>
+                          </a:rPr>
+                          <m:t>=1)</m:t>
+                        </m:r>
+                      </m:den>
+                    </m:f>
+                    <m:r>
+                      <a:rPr lang="en-US" b="0" i="1" smtClean="0">
+                        <a:latin typeface="Cambria Math" panose="02040503050406030204" pitchFamily="18" charset="0"/>
+                      </a:rPr>
+                      <m:t>)</m:t>
+                    </m:r>
+                  </m:oMath>
+                </a14:m>
+                <a:r>
+                  <a:rPr lang="en-US" dirty="0" smtClean="0"/>
+                  <a:t>  </a:t>
+                </a:r>
+                <a:r>
+                  <a:rPr lang="en-US" sz="2200" dirty="0">
+                    <a:latin typeface="Cambria Math" panose="02040503050406030204" pitchFamily="18" charset="0"/>
+                    <a:ea typeface="Cambria Math" panose="02040503050406030204" pitchFamily="18" charset="0"/>
+                  </a:rPr>
+                  <a:t>= </a:t>
+                </a:r>
+                <a:r>
+                  <a:rPr lang="el-GR" sz="2200" dirty="0">
+                    <a:latin typeface="Cambria Math" panose="02040503050406030204" pitchFamily="18" charset="0"/>
+                    <a:ea typeface="Cambria Math" panose="02040503050406030204" pitchFamily="18" charset="0"/>
+                  </a:rPr>
+                  <a:t>β</a:t>
+                </a:r>
+                <a:r>
+                  <a:rPr lang="en-US" sz="2200" dirty="0">
+                    <a:latin typeface="Cambria Math" panose="02040503050406030204" pitchFamily="18" charset="0"/>
+                    <a:ea typeface="Cambria Math" panose="02040503050406030204" pitchFamily="18" charset="0"/>
+                  </a:rPr>
+                  <a:t>0  + </a:t>
+                </a:r>
+                <a:r>
+                  <a:rPr lang="el-GR" sz="2200" dirty="0">
+                    <a:latin typeface="Cambria Math" panose="02040503050406030204" pitchFamily="18" charset="0"/>
+                    <a:ea typeface="Cambria Math" panose="02040503050406030204" pitchFamily="18" charset="0"/>
+                  </a:rPr>
+                  <a:t>β</a:t>
+                </a:r>
+                <a:r>
+                  <a:rPr lang="en-US" sz="2200" dirty="0">
+                    <a:latin typeface="Cambria Math" panose="02040503050406030204" pitchFamily="18" charset="0"/>
+                    <a:ea typeface="Cambria Math" panose="02040503050406030204" pitchFamily="18" charset="0"/>
+                  </a:rPr>
+                  <a:t>1Xi </a:t>
+                </a:r>
+                <a:r>
+                  <a:rPr lang="en-US" sz="2200" dirty="0" smtClean="0">
+                    <a:latin typeface="Cambria Math" panose="02040503050406030204" pitchFamily="18" charset="0"/>
+                    <a:ea typeface="Cambria Math" panose="02040503050406030204" pitchFamily="18" charset="0"/>
+                  </a:rPr>
+                  <a:t> </a:t>
+                </a:r>
+                <a:r>
+                  <a:rPr lang="en-US" dirty="0" smtClean="0">
+                    <a:latin typeface="Cambria Math" panose="02040503050406030204" pitchFamily="18" charset="0"/>
+                    <a:ea typeface="Cambria Math" panose="02040503050406030204" pitchFamily="18" charset="0"/>
+                  </a:rPr>
+                  <a:t>… (3)</a:t>
+                </a:r>
+              </a:p>
+              <a:p>
+                <a:r>
+                  <a:rPr lang="en-US" dirty="0" smtClean="0"/>
+                  <a:t>Logistic </a:t>
+                </a:r>
+                <a:r>
+                  <a:rPr lang="en-US" dirty="0"/>
+                  <a:t>regression model is a linear model for the log </a:t>
+                </a:r>
+                <a:r>
+                  <a:rPr lang="en-US" dirty="0" smtClean="0"/>
+                  <a:t>odds (LHS of </a:t>
+                </a:r>
+                <a:r>
+                  <a:rPr lang="en-US" dirty="0" err="1" smtClean="0"/>
+                  <a:t>eqn</a:t>
+                </a:r>
+                <a:r>
+                  <a:rPr lang="en-US" dirty="0" smtClean="0"/>
+                  <a:t> 3)</a:t>
+                </a:r>
+                <a:endParaRPr lang="en-US" dirty="0"/>
+              </a:p>
+              <a:p>
+                <a:endParaRPr lang="en-US" dirty="0" smtClean="0"/>
+              </a:p>
+              <a:p>
+                <a:endParaRPr lang="en-US" dirty="0" smtClean="0"/>
+              </a:p>
+              <a:p>
+                <a:endParaRPr lang="en-US" dirty="0" smtClean="0"/>
+              </a:p>
+              <a:p>
+                <a:endParaRPr lang="en-US" dirty="0"/>
+              </a:p>
+              <a:p>
+                <a:endParaRPr lang="en-US" dirty="0"/>
+              </a:p>
+            </p:txBody>
+          </p:sp>
+        </mc:Choice>
+        <mc:Fallback>
+          <p:sp>
+            <p:nvSpPr>
+              <p:cNvPr id="3" name="Content Placeholder 2"/>
+              <p:cNvSpPr>
+                <a:spLocks noGrp="1" noRot="1" noChangeAspect="1" noMove="1" noResize="1" noEditPoints="1" noAdjustHandles="1" noChangeArrowheads="1" noChangeShapeType="1" noTextEdit="1"/>
+              </p:cNvSpPr>
+              <p:nvPr>
+                <p:ph sz="quarter" idx="1"/>
+              </p:nvPr>
+            </p:nvSpPr>
+            <p:spPr>
+              <a:blipFill>
+                <a:blip r:embed="rId2"/>
+                <a:stretch>
+                  <a:fillRect l="-667" t="-1852" r="-222"/>
+                </a:stretch>
+              </a:blipFill>
+            </p:spPr>
+            <p:txBody>
+              <a:bodyPr/>
+              <a:lstStyle/>
+              <a:p>
+                <a:r>
+                  <a:rPr lang="en-US">
+                    <a:noFill/>
+                  </a:rPr>
+                  <a:t> </a:t>
+                </a:r>
+              </a:p>
+            </p:txBody>
+          </p:sp>
+        </mc:Fallback>
+      </mc:AlternateContent>
+    </p:spTree>
+    <p:extLst>
+      <p:ext uri="{BB962C8B-B14F-4D97-AF65-F5344CB8AC3E}">
+        <p14:creationId xmlns:p14="http://schemas.microsoft.com/office/powerpoint/2010/main" val="282434627"/>
+      </p:ext>
+    </p:extLst>
+  </p:cSld>
+  <p:clrMapOvr>
+    <a:masterClrMapping/>
+  </p:clrMapOvr>
+</p:sld>
+</file>
+
+<file path=ppt/slides/slide2.xml><?xml version="1.0" encoding="utf-8"?>
+<p:sld xmlns:a="http://schemas.openxmlformats.org/drawingml/2006/main" xmlns:r="http://schemas.openxmlformats.org/officeDocument/2006/relationships" xmlns:p="http://schemas.openxmlformats.org/presentationml/2006/main">
+  <p:cSld>
+    <p:spTree>
+      <p:nvGrpSpPr>
+        <p:cNvPr id="1" name=""/>
+        <p:cNvGrpSpPr/>
+        <p:nvPr/>
+      </p:nvGrpSpPr>
+      <p:grpSpPr>
+        <a:xfrm>
+          <a:off x="0" y="0"/>
+          <a:ext cx="0" cy="0"/>
+          <a:chOff x="0" y="0"/>
+          <a:chExt cx="0" cy="0"/>
+        </a:xfrm>
+      </p:grpSpPr>
+      <p:sp>
+        <p:nvSpPr>
+          <p:cNvPr id="2" name="Title 1"/>
+          <p:cNvSpPr>
+            <a:spLocks noGrp="1"/>
+          </p:cNvSpPr>
+          <p:nvPr>
+            <p:ph type="title"/>
+          </p:nvPr>
+        </p:nvSpPr>
+        <p:spPr/>
+        <p:txBody>
+          <a:bodyPr/>
+          <a:lstStyle/>
+          <a:p>
+            <a:r>
+              <a:rPr lang="en-US" dirty="0" smtClean="0"/>
+              <a:t>What is Regression??</a:t>
+            </a:r>
+            <a:endParaRPr lang="en-IN" dirty="0"/>
+          </a:p>
+        </p:txBody>
+      </p:sp>
+      <p:sp>
+        <p:nvSpPr>
+          <p:cNvPr id="6" name="Content Placeholder 5"/>
+          <p:cNvSpPr>
+            <a:spLocks noGrp="1"/>
+          </p:cNvSpPr>
+          <p:nvPr>
+            <p:ph sz="quarter" idx="1"/>
+          </p:nvPr>
+        </p:nvSpPr>
+        <p:spPr/>
+        <p:txBody>
+          <a:bodyPr/>
+          <a:lstStyle/>
+          <a:p>
+            <a:r>
+              <a:rPr lang="en-US" dirty="0"/>
+              <a:t>Regression analysis may be the most widely used statistical technique. </a:t>
+            </a:r>
+            <a:r>
+              <a:rPr lang="en-US" dirty="0" smtClean="0"/>
+              <a:t> </a:t>
+            </a:r>
+          </a:p>
+          <a:p>
+            <a:r>
+              <a:rPr lang="en-US" dirty="0" smtClean="0"/>
+              <a:t>Regression </a:t>
+            </a:r>
+            <a:r>
+              <a:rPr lang="en-US" dirty="0"/>
+              <a:t>analysis is a statistical technique for investigating and modeling </a:t>
+            </a:r>
+            <a:r>
+              <a:rPr lang="en-US" dirty="0" smtClean="0"/>
+              <a:t>the relationship </a:t>
+            </a:r>
+            <a:r>
+              <a:rPr lang="en-US" dirty="0"/>
+              <a:t>between </a:t>
+            </a:r>
+            <a:r>
+              <a:rPr lang="en-US" dirty="0" smtClean="0"/>
+              <a:t>variables</a:t>
+            </a:r>
+            <a:r>
+              <a:rPr lang="en-IN" dirty="0" smtClean="0"/>
+              <a:t>.</a:t>
+            </a:r>
+          </a:p>
+          <a:p>
+            <a:r>
+              <a:rPr lang="en-US" dirty="0" smtClean="0"/>
+              <a:t>The </a:t>
+            </a:r>
+            <a:r>
+              <a:rPr lang="en-US" dirty="0"/>
+              <a:t>regression technique is used to observe changes in the dependent </a:t>
+            </a:r>
+            <a:r>
+              <a:rPr lang="en-US" dirty="0" smtClean="0"/>
+              <a:t>variable (Y) </a:t>
+            </a:r>
+            <a:r>
+              <a:rPr lang="en-US" dirty="0"/>
+              <a:t>with changes in the independent </a:t>
+            </a:r>
+            <a:r>
+              <a:rPr lang="en-US" dirty="0" smtClean="0"/>
+              <a:t>variables (X)</a:t>
+            </a:r>
+            <a:endParaRPr lang="en-US" dirty="0"/>
+          </a:p>
+        </p:txBody>
+      </p:sp>
+    </p:spTree>
+    <p:extLst>
+      <p:ext uri="{BB962C8B-B14F-4D97-AF65-F5344CB8AC3E}">
+        <p14:creationId xmlns:p14="http://schemas.microsoft.com/office/powerpoint/2010/main" val="1327912670"/>
+      </p:ext>
+    </p:extLst>
+  </p:cSld>
+  <p:clrMapOvr>
+    <a:masterClrMapping/>
+  </p:clrMapOvr>
+</p:sld>
+</file>
+
+<file path=ppt/slides/slide20.xml><?xml version="1.0" encoding="utf-8"?>
 <p:sld xmlns:a="http://schemas.openxmlformats.org/drawingml/2006/main" xmlns:r="http://schemas.openxmlformats.org/officeDocument/2006/relationships" xmlns:p="http://schemas.openxmlformats.org/presentationml/2006/main">
   <p:cSld>
     <p:spTree>
@@ -5173,7 +7383,7 @@
 </p:sld>
 </file>
 
-<file path=ppt/slides/slide14.xml><?xml version="1.0" encoding="utf-8"?>
+<file path=ppt/slides/slide21.xml><?xml version="1.0" encoding="utf-8"?>
 <p:sld xmlns:a="http://schemas.openxmlformats.org/drawingml/2006/main" xmlns:r="http://schemas.openxmlformats.org/officeDocument/2006/relationships" xmlns:p="http://schemas.openxmlformats.org/presentationml/2006/main">
   <p:cSld>
     <p:spTree>
@@ -5413,7 +7623,7 @@
 </p:sld>
 </file>
 
-<file path=ppt/slides/slide15.xml><?xml version="1.0" encoding="utf-8"?>
+<file path=ppt/slides/slide22.xml><?xml version="1.0" encoding="utf-8"?>
 <p:sld xmlns:a="http://schemas.openxmlformats.org/drawingml/2006/main" xmlns:r="http://schemas.openxmlformats.org/officeDocument/2006/relationships" xmlns:p="http://schemas.openxmlformats.org/presentationml/2006/main">
   <p:cSld>
     <p:spTree>
@@ -5599,7 +7809,7 @@
 </p:sld>
 </file>
 
-<file path=ppt/slides/slide16.xml><?xml version="1.0" encoding="utf-8"?>
+<file path=ppt/slides/slide23.xml><?xml version="1.0" encoding="utf-8"?>
 <p:sld xmlns:a="http://schemas.openxmlformats.org/drawingml/2006/main" xmlns:r="http://schemas.openxmlformats.org/officeDocument/2006/relationships" xmlns:p="http://schemas.openxmlformats.org/presentationml/2006/main">
   <p:cSld>
     <p:spTree>
@@ -5760,134 +7970,6 @@
 </p:sld>
 </file>
 
-<file path=ppt/slides/slide2.xml><?xml version="1.0" encoding="utf-8"?>
-<p:sld xmlns:a="http://schemas.openxmlformats.org/drawingml/2006/main" xmlns:r="http://schemas.openxmlformats.org/officeDocument/2006/relationships" xmlns:p="http://schemas.openxmlformats.org/presentationml/2006/main">
-  <p:cSld>
-    <p:spTree>
-      <p:nvGrpSpPr>
-        <p:cNvPr id="1" name=""/>
-        <p:cNvGrpSpPr/>
-        <p:nvPr/>
-      </p:nvGrpSpPr>
-      <p:grpSpPr>
-        <a:xfrm>
-          <a:off x="0" y="0"/>
-          <a:ext cx="0" cy="0"/>
-          <a:chOff x="0" y="0"/>
-          <a:chExt cx="0" cy="0"/>
-        </a:xfrm>
-      </p:grpSpPr>
-      <p:sp>
-        <p:nvSpPr>
-          <p:cNvPr id="2" name="Title 1"/>
-          <p:cNvSpPr>
-            <a:spLocks noGrp="1"/>
-          </p:cNvSpPr>
-          <p:nvPr>
-            <p:ph type="title"/>
-          </p:nvPr>
-        </p:nvSpPr>
-        <p:spPr/>
-        <p:txBody>
-          <a:bodyPr/>
-          <a:lstStyle/>
-          <a:p>
-            <a:r>
-              <a:rPr lang="en-US" dirty="0" smtClean="0"/>
-              <a:t>What is Regression??</a:t>
-            </a:r>
-            <a:endParaRPr lang="en-IN" dirty="0"/>
-          </a:p>
-        </p:txBody>
-      </p:sp>
-      <p:sp>
-        <p:nvSpPr>
-          <p:cNvPr id="6" name="Content Placeholder 5"/>
-          <p:cNvSpPr>
-            <a:spLocks noGrp="1"/>
-          </p:cNvSpPr>
-          <p:nvPr>
-            <p:ph sz="quarter" idx="1"/>
-          </p:nvPr>
-        </p:nvSpPr>
-        <p:spPr/>
-        <p:txBody>
-          <a:bodyPr/>
-          <a:lstStyle/>
-          <a:p>
-            <a:r>
-              <a:rPr lang="en-US" dirty="0"/>
-              <a:t>Regression analysis may be the most widely used statistical technique. </a:t>
-            </a:r>
-            <a:r>
-              <a:rPr lang="en-US" dirty="0" smtClean="0"/>
-              <a:t> </a:t>
-            </a:r>
-          </a:p>
-          <a:p>
-            <a:r>
-              <a:rPr lang="en-US" dirty="0" smtClean="0"/>
-              <a:t>Regression </a:t>
-            </a:r>
-            <a:r>
-              <a:rPr lang="en-US" dirty="0"/>
-              <a:t>analysis is a statistical technique for investigating and modeling </a:t>
-            </a:r>
-            <a:r>
-              <a:rPr lang="en-US" dirty="0" smtClean="0"/>
-              <a:t>the relationship </a:t>
-            </a:r>
-            <a:r>
-              <a:rPr lang="en-US" dirty="0"/>
-              <a:t>between </a:t>
-            </a:r>
-            <a:r>
-              <a:rPr lang="en-US" dirty="0" smtClean="0"/>
-              <a:t>variables</a:t>
-            </a:r>
-            <a:r>
-              <a:rPr lang="en-IN" dirty="0" smtClean="0"/>
-              <a:t>.</a:t>
-            </a:r>
-          </a:p>
-          <a:p>
-            <a:r>
-              <a:rPr lang="en-US" dirty="0" smtClean="0"/>
-              <a:t>The </a:t>
-            </a:r>
-            <a:r>
-              <a:rPr lang="en-US" dirty="0"/>
-              <a:t>regression technique is used to observe changes in the dependent </a:t>
-            </a:r>
-            <a:r>
-              <a:rPr lang="en-US" dirty="0" smtClean="0"/>
-              <a:t>variable (Y) </a:t>
-            </a:r>
-            <a:r>
-              <a:rPr lang="en-US" dirty="0"/>
-              <a:t>with changes in the independent </a:t>
-            </a:r>
-            <a:r>
-              <a:rPr lang="en-US" dirty="0" smtClean="0"/>
-              <a:t>variables (X)</a:t>
-            </a:r>
-            <a:endParaRPr lang="en-US" dirty="0"/>
-          </a:p>
-        </p:txBody>
-      </p:sp>
-    </p:spTree>
-    <p:extLst>
-      <p:ext uri="{BB962C8B-B14F-4D97-AF65-F5344CB8AC3E}">
-        <p14:creationId xmlns:p14="http://schemas.microsoft.com/office/powerpoint/2010/main" val="1327912670"/>
-      </p:ext>
-    </p:extLst>
-  </p:cSld>
-  <p:clrMapOvr>
-    <a:masterClrMapping/>
-  </p:clrMapOvr>
-</p:sld>
-</file>
-
 <file path=ppt/slides/slide3.xml><?xml version="1.0" encoding="utf-8"?>
 <p:sld xmlns:a="http://schemas.openxmlformats.org/drawingml/2006/main" xmlns:r="http://schemas.openxmlformats.org/officeDocument/2006/relationships" xmlns:p="http://schemas.openxmlformats.org/presentationml/2006/main">
   <p:cSld>
@@ -5977,8 +8059,25 @@
             </a:r>
             <a:r>
               <a:rPr lang="en-US" dirty="0" smtClean="0"/>
-              <a:t>in nature.</a:t>
-            </a:r>
+              <a:t>in </a:t>
+            </a:r>
+            <a:r>
+              <a:rPr lang="en-US" dirty="0" smtClean="0"/>
+              <a:t>nature. </a:t>
+            </a:r>
+            <a:r>
+              <a:rPr lang="en-US" dirty="0" err="1" smtClean="0"/>
+              <a:t>e.g</a:t>
+            </a:r>
+            <a:r>
+              <a:rPr lang="en-US" dirty="0" smtClean="0"/>
+              <a:t> Y can be income and X can be Age / Experience </a:t>
+            </a:r>
+            <a:r>
+              <a:rPr lang="en-US" dirty="0" err="1" smtClean="0"/>
+              <a:t>etc</a:t>
+            </a:r>
+            <a:endParaRPr lang="en-US" dirty="0" smtClean="0"/>
           </a:p>
           <a:p>
             <a:r>
@@ -6119,20 +8218,28 @@
                   </a:buClr>
                 </a:pPr>
                 <a:r>
-                  <a:rPr lang="en-US" dirty="0" smtClean="0"/>
+                  <a:rPr lang="en-US" dirty="0" smtClean="0">
+                    <a:solidFill>
+                      <a:schemeClr val="tx1"/>
+                    </a:solidFill>
+                  </a:rPr>
                   <a:t>In SLR, there </a:t>
                 </a:r>
                 <a:r>
-                  <a:rPr lang="en-US" dirty="0"/>
+                  <a:rPr lang="en-US" dirty="0">
+                    <a:solidFill>
+                      <a:schemeClr val="tx1"/>
+                    </a:solidFill>
+                  </a:rPr>
                   <a:t>is only one </a:t>
                 </a:r>
                 <a:r>
-                  <a:rPr lang="en-US" dirty="0" smtClean="0"/>
-                  <a:t>feature i.e. </a:t>
-                </a:r>
-                <a:r>
-                  <a:rPr lang="en-US" dirty="0" smtClean="0"/>
-                  <a:t>X</a:t>
+                  <a:rPr lang="en-US" dirty="0" smtClean="0">
+                    <a:solidFill>
+                      <a:schemeClr val="tx1"/>
+                    </a:solidFill>
+                  </a:rPr>
+                  <a:t>feature i.e. X</a:t>
                 </a:r>
               </a:p>
               <a:p>
@@ -6147,50 +8254,98 @@
                   <a:buChar char="•"/>
                 </a:pPr>
                 <a:r>
-                  <a:rPr lang="en-US" dirty="0" smtClean="0"/>
+                  <a:rPr lang="en-US" dirty="0" smtClean="0">
+                    <a:solidFill>
+                      <a:schemeClr val="tx1"/>
+                    </a:solidFill>
+                  </a:rPr>
                   <a:t>Y </a:t>
                 </a:r>
                 <a:r>
-                  <a:rPr lang="en-US" dirty="0"/>
+                  <a:rPr lang="en-US" dirty="0">
+                    <a:solidFill>
+                      <a:schemeClr val="tx1"/>
+                    </a:solidFill>
+                  </a:rPr>
                   <a:t>= </a:t>
                 </a:r>
                 <a:r>
-                  <a:rPr lang="el-GR" dirty="0"/>
+                  <a:rPr lang="el-GR" dirty="0">
+                    <a:solidFill>
+                      <a:schemeClr val="tx1"/>
+                    </a:solidFill>
+                  </a:rPr>
                   <a:t>β</a:t>
                 </a:r>
                 <a:r>
-                  <a:rPr lang="en-US" baseline="-25000" dirty="0"/>
+                  <a:rPr lang="en-US" baseline="-25000" dirty="0">
+                    <a:solidFill>
+                      <a:schemeClr val="tx1"/>
+                    </a:solidFill>
+                  </a:rPr>
                   <a:t>0  </a:t>
                 </a:r>
                 <a:r>
-                  <a:rPr lang="en-US" dirty="0"/>
+                  <a:rPr lang="en-US" dirty="0">
+                    <a:solidFill>
+                      <a:schemeClr val="tx1"/>
+                    </a:solidFill>
+                  </a:rPr>
                   <a:t>+ </a:t>
                 </a:r>
                 <a:r>
-                  <a:rPr lang="el-GR" dirty="0"/>
+                  <a:rPr lang="el-GR" dirty="0">
+                    <a:solidFill>
+                      <a:schemeClr val="tx1"/>
+                    </a:solidFill>
+                  </a:rPr>
                   <a:t>β</a:t>
                 </a:r>
                 <a:r>
-                  <a:rPr lang="en-US" baseline="-25000" dirty="0" smtClean="0"/>
+                  <a:rPr lang="en-US" baseline="-25000" dirty="0" smtClean="0">
+                    <a:solidFill>
+                      <a:schemeClr val="tx1"/>
+                    </a:solidFill>
+                  </a:rPr>
                   <a:t>1</a:t>
                 </a:r>
                 <a:r>
-                  <a:rPr lang="en-US" dirty="0" smtClean="0"/>
+                  <a:rPr lang="en-US" dirty="0" smtClean="0">
+                    <a:solidFill>
+                      <a:schemeClr val="tx1"/>
+                    </a:solidFill>
+                  </a:rPr>
                   <a:t>X </a:t>
                 </a:r>
                 <a:r>
-                  <a:rPr lang="en-US" dirty="0"/>
+                  <a:rPr lang="en-US" dirty="0">
+                    <a:solidFill>
+                      <a:schemeClr val="tx1"/>
+                    </a:solidFill>
+                  </a:rPr>
                   <a:t>+</a:t>
                 </a:r>
                 <a:r>
-                  <a:rPr lang="en-US" sz="2400" dirty="0"/>
+                  <a:rPr lang="en-US" sz="2400" dirty="0">
+                    <a:solidFill>
+                      <a:schemeClr val="tx1"/>
+                    </a:solidFill>
+                  </a:rPr>
                   <a:t> </a:t>
                 </a:r>
                 <a:r>
-                  <a:rPr lang="el-GR" dirty="0" smtClean="0"/>
+                  <a:rPr lang="el-GR" dirty="0" smtClean="0">
+                    <a:solidFill>
+                      <a:schemeClr val="tx1"/>
+                    </a:solidFill>
+                  </a:rPr>
                   <a:t>ξ</a:t>
                 </a:r>
-                <a:endParaRPr lang="en-US" dirty="0" smtClean="0"/>
+                <a:endParaRPr lang="en-US" dirty="0" smtClean="0">
+                  <a:solidFill>
+                    <a:schemeClr val="tx1"/>
+                  </a:solidFill>
+                </a:endParaRPr>
               </a:p>
               <a:p>
                 <a:pPr marL="342900" lvl="1" indent="-342900">
@@ -6204,38 +8359,74 @@
                   <a:buChar char="•"/>
                 </a:pPr>
                 <a:r>
-                  <a:rPr lang="en-US" dirty="0" err="1" smtClean="0"/>
+                  <a:rPr lang="en-US" dirty="0" err="1" smtClean="0">
+                    <a:solidFill>
+                      <a:schemeClr val="tx1"/>
+                    </a:solidFill>
+                  </a:rPr>
                   <a:t>Y</a:t>
                 </a:r>
                 <a:r>
-                  <a:rPr lang="en-US" baseline="-25000" dirty="0" err="1" smtClean="0"/>
+                  <a:rPr lang="en-US" baseline="-25000" dirty="0" err="1" smtClean="0">
+                    <a:solidFill>
+                      <a:schemeClr val="tx1"/>
+                    </a:solidFill>
+                  </a:rPr>
                   <a:t>act</a:t>
                 </a:r>
                 <a:r>
-                  <a:rPr lang="en-US" dirty="0" smtClean="0"/>
+                  <a:rPr lang="en-US" dirty="0" smtClean="0">
+                    <a:solidFill>
+                      <a:schemeClr val="tx1"/>
+                    </a:solidFill>
+                  </a:rPr>
                   <a:t> = </a:t>
                 </a:r>
                 <a:r>
-                  <a:rPr lang="en-US" dirty="0" err="1" smtClean="0"/>
+                  <a:rPr lang="en-US" dirty="0" err="1" smtClean="0">
+                    <a:solidFill>
+                      <a:schemeClr val="tx1"/>
+                    </a:solidFill>
+                  </a:rPr>
                   <a:t>Y</a:t>
                 </a:r>
                 <a:r>
-                  <a:rPr lang="en-US" baseline="-25000" dirty="0" err="1" smtClean="0"/>
+                  <a:rPr lang="en-US" baseline="-25000" dirty="0" err="1" smtClean="0">
+                    <a:solidFill>
+                      <a:schemeClr val="tx1"/>
+                    </a:solidFill>
+                  </a:rPr>
                   <a:t>pred</a:t>
                 </a:r>
                 <a:r>
-                  <a:rPr lang="en-US" baseline="-25000" dirty="0" smtClean="0"/>
+                  <a:rPr lang="en-US" baseline="-25000" dirty="0" smtClean="0">
+                    <a:solidFill>
+                      <a:schemeClr val="tx1"/>
+                    </a:solidFill>
+                  </a:rPr>
                   <a:t> </a:t>
                 </a:r>
                 <a:r>
-                  <a:rPr lang="en-US" dirty="0" smtClean="0"/>
+                  <a:rPr lang="en-US" dirty="0" smtClean="0">
+                    <a:solidFill>
+                      <a:schemeClr val="tx1"/>
+                    </a:solidFill>
+                  </a:rPr>
                   <a:t>+ </a:t>
                 </a:r>
                 <a:r>
-                  <a:rPr lang="el-GR" dirty="0"/>
+                  <a:rPr lang="el-GR" dirty="0">
+                    <a:solidFill>
+                      <a:schemeClr val="tx1"/>
+                    </a:solidFill>
+                  </a:rPr>
                   <a:t>ξ</a:t>
                 </a:r>
-                <a:endParaRPr lang="en-US" dirty="0" smtClean="0"/>
+                <a:endParaRPr lang="en-US" dirty="0" smtClean="0">
+                  <a:solidFill>
+                    <a:schemeClr val="tx1"/>
+                  </a:solidFill>
+                </a:endParaRPr>
               </a:p>
               <a:p>
                 <a:pPr marL="0" indent="0">
@@ -6293,7 +8484,6 @@
                   <a:rPr lang="en-US" dirty="0" smtClean="0"/>
                   <a:t> is random error component</a:t>
                 </a:r>
-                <a:endParaRPr lang="en-US" dirty="0" smtClean="0"/>
               </a:p>
               <a:p>
                 <a:r>
@@ -6328,11 +8518,7 @@
               <a:p>
                 <a:r>
                   <a:rPr lang="en-US" dirty="0" smtClean="0"/>
-                  <a:t>In </a:t>
-                </a:r>
-                <a:r>
-                  <a:rPr lang="en-US" dirty="0" smtClean="0"/>
-                  <a:t>SLR these values are obtained by minimizing SSE</a:t>
+                  <a:t>In SLR these values are obtained by minimizing SSE</a:t>
                 </a:r>
               </a:p>
               <a:p>
@@ -6391,11 +8577,7 @@
                 </a14:m>
                 <a:r>
                   <a:rPr lang="en-US" dirty="0" smtClean="0"/>
-                  <a:t> </a:t>
-                </a:r>
-                <a:r>
-                  <a:rPr lang="en-US" dirty="0" smtClean="0"/>
-                  <a:t>Y</a:t>
+                  <a:t> Y</a:t>
                 </a:r>
                 <a:r>
                   <a:rPr lang="en-US" baseline="30000" dirty="0" smtClean="0"/>
@@ -6407,11 +8589,7 @@
                 </a:r>
                 <a:r>
                   <a:rPr lang="en-US" dirty="0" smtClean="0"/>
-                  <a:t> </a:t>
-                </a:r>
-                <a:r>
-                  <a:rPr lang="en-US" dirty="0" smtClean="0"/>
-                  <a:t>– </a:t>
+                  <a:t> – </a:t>
                 </a:r>
                 <a:r>
                   <a:rPr lang="en-US" dirty="0" err="1" smtClean="0"/>
@@ -6437,7 +8615,6 @@
                   <a:rPr lang="en-US" dirty="0" smtClean="0"/>
                   <a:t> </a:t>
                 </a:r>
-                <a:endParaRPr lang="en-US" dirty="0" smtClean="0"/>
               </a:p>
               <a:p>
                 <a:pPr>
@@ -6446,11 +8623,7 @@
                 </a:pPr>
                 <a:r>
                   <a:rPr lang="en-US" dirty="0" smtClean="0"/>
-                  <a:t>where n = number of </a:t>
-                </a:r>
-                <a:r>
-                  <a:rPr lang="en-US" dirty="0" smtClean="0"/>
-                  <a:t>observations</a:t>
+                  <a:t>where n = number of observations</a:t>
                 </a:r>
               </a:p>
               <a:p>
@@ -6487,7 +8660,7 @@
               <a:lstStyle/>
               <a:p>
                 <a:r>
-                  <a:rPr lang="en-IN">
+                  <a:rPr lang="en-US">
                     <a:noFill/>
                   </a:rPr>
                   <a:t> </a:t>
@@ -6818,7 +8991,7 @@
                   <a:buChar char="•"/>
                 </a:pPr>
                 <a:r>
-                  <a:rPr lang="en-US" sz="2600" dirty="0">
+                  <a:rPr lang="en-US" sz="2600" dirty="0" smtClean="0">
                     <a:solidFill>
                       <a:schemeClr val="tx1"/>
                     </a:solidFill>
@@ -6870,27 +9043,51 @@
                   <a:t>If </a:t>
                 </a:r>
                 <a:r>
-                  <a:rPr lang="el-GR" sz="2800" dirty="0"/>
+                  <a:rPr lang="el-GR" sz="2800" dirty="0">
+                    <a:solidFill>
+                      <a:schemeClr val="tx1"/>
+                    </a:solidFill>
+                  </a:rPr>
                   <a:t>β</a:t>
                 </a:r>
                 <a:r>
-                  <a:rPr lang="en-US" sz="2800" baseline="-25000" dirty="0" smtClean="0"/>
+                  <a:rPr lang="en-US" sz="2800" baseline="-25000" dirty="0" smtClean="0">
+                    <a:solidFill>
+                      <a:schemeClr val="tx1"/>
+                    </a:solidFill>
+                  </a:rPr>
                   <a:t>1</a:t>
                 </a:r>
                 <a:r>
-                  <a:rPr lang="en-US" sz="2800" dirty="0" smtClean="0"/>
+                  <a:rPr lang="en-US" sz="2800" dirty="0" smtClean="0">
+                    <a:solidFill>
+                      <a:schemeClr val="tx1"/>
+                    </a:solidFill>
+                  </a:rPr>
                   <a:t> is +</a:t>
                 </a:r>
                 <a:r>
-                  <a:rPr lang="en-US" sz="2800" dirty="0" err="1" smtClean="0"/>
+                  <a:rPr lang="en-US" sz="2800" dirty="0" err="1" smtClean="0">
+                    <a:solidFill>
+                      <a:schemeClr val="tx1"/>
+                    </a:solidFill>
+                  </a:rPr>
                   <a:t>ve</a:t>
                 </a:r>
                 <a:r>
-                  <a:rPr lang="en-US" sz="2800" dirty="0"/>
+                  <a:rPr lang="en-US" sz="2800" dirty="0">
+                    <a:solidFill>
+                      <a:schemeClr val="tx1"/>
+                    </a:solidFill>
+                  </a:rPr>
                   <a:t> </a:t>
                 </a:r>
                 <a:r>
-                  <a:rPr lang="en-US" sz="2800" dirty="0" smtClean="0"/>
+                  <a:rPr lang="en-US" sz="2800" dirty="0" smtClean="0">
+                    <a:solidFill>
+                      <a:schemeClr val="tx1"/>
+                    </a:solidFill>
+                  </a:rPr>
                   <a:t>and X increases then Y will also increase</a:t>
                 </a:r>
               </a:p>
@@ -6914,43 +9111,83 @@
                   <a:t>If </a:t>
                 </a:r>
                 <a:r>
-                  <a:rPr lang="el-GR" sz="2400" dirty="0"/>
+                  <a:rPr lang="el-GR" sz="2400" dirty="0">
+                    <a:solidFill>
+                      <a:schemeClr val="tx1"/>
+                    </a:solidFill>
+                  </a:rPr>
                   <a:t>β</a:t>
                 </a:r>
                 <a:r>
-                  <a:rPr lang="en-US" sz="2400" baseline="-25000" dirty="0"/>
+                  <a:rPr lang="en-US" sz="2400" baseline="-25000" dirty="0">
+                    <a:solidFill>
+                      <a:schemeClr val="tx1"/>
+                    </a:solidFill>
+                  </a:rPr>
                   <a:t>1</a:t>
                 </a:r>
                 <a:r>
-                  <a:rPr lang="en-US" sz="2400" dirty="0"/>
+                  <a:rPr lang="en-US" sz="2400" dirty="0">
+                    <a:solidFill>
+                      <a:schemeClr val="tx1"/>
+                    </a:solidFill>
+                  </a:rPr>
                   <a:t> is </a:t>
                 </a:r>
                 <a:r>
-                  <a:rPr lang="en-US" sz="2400" dirty="0" smtClean="0"/>
+                  <a:rPr lang="en-US" sz="2400" dirty="0" smtClean="0">
+                    <a:solidFill>
+                      <a:schemeClr val="tx1"/>
+                    </a:solidFill>
+                  </a:rPr>
                   <a:t>-</a:t>
                 </a:r>
                 <a:r>
-                  <a:rPr lang="en-US" sz="2400" dirty="0" err="1" smtClean="0"/>
+                  <a:rPr lang="en-US" sz="2400" dirty="0" err="1" smtClean="0">
+                    <a:solidFill>
+                      <a:schemeClr val="tx1"/>
+                    </a:solidFill>
+                  </a:rPr>
                   <a:t>ve</a:t>
                 </a:r>
                 <a:r>
-                  <a:rPr lang="en-US" sz="2400" dirty="0" smtClean="0"/>
+                  <a:rPr lang="en-US" sz="2400" dirty="0" smtClean="0">
+                    <a:solidFill>
+                      <a:schemeClr val="tx1"/>
+                    </a:solidFill>
+                  </a:rPr>
                   <a:t> </a:t>
                 </a:r>
                 <a:r>
-                  <a:rPr lang="en-US" sz="2400" dirty="0"/>
+                  <a:rPr lang="en-US" sz="2400" dirty="0">
+                    <a:solidFill>
+                      <a:schemeClr val="tx1"/>
+                    </a:solidFill>
+                  </a:rPr>
                   <a:t>and X </a:t>
                 </a:r>
                 <a:r>
-                  <a:rPr lang="en-US" sz="2400" dirty="0" smtClean="0"/>
+                  <a:rPr lang="en-US" sz="2400" dirty="0" smtClean="0">
+                    <a:solidFill>
+                      <a:schemeClr val="tx1"/>
+                    </a:solidFill>
+                  </a:rPr>
                   <a:t>decreases </a:t>
                 </a:r>
                 <a:r>
-                  <a:rPr lang="en-US" sz="2400" dirty="0"/>
+                  <a:rPr lang="en-US" sz="2400" dirty="0">
+                    <a:solidFill>
+                      <a:schemeClr val="tx1"/>
+                    </a:solidFill>
+                  </a:rPr>
                   <a:t>then Y </a:t>
                 </a:r>
                 <a:r>
-                  <a:rPr lang="en-US" sz="2400" dirty="0" smtClean="0"/>
+                  <a:rPr lang="en-US" sz="2400" dirty="0" smtClean="0">
+                    <a:solidFill>
+                      <a:schemeClr val="tx1"/>
+                    </a:solidFill>
+                  </a:rPr>
                   <a:t>will increase</a:t>
                 </a:r>
               </a:p>
@@ -6966,7 +9203,11 @@
                   <a:buChar char="•"/>
                 </a:pPr>
                 <a:r>
-                  <a:rPr lang="en-US" sz="2400" dirty="0" smtClean="0"/>
+                  <a:rPr lang="en-US" sz="2400" dirty="0" smtClean="0">
+                    <a:solidFill>
+                      <a:schemeClr val="tx1"/>
+                    </a:solidFill>
+                  </a:rPr>
                   <a:t>The below sample regression model is minimized to obtain least square estimators of regression coefficient </a:t>
                 </a:r>
               </a:p>
@@ -6981,43 +9222,115 @@
                   <a:buNone/>
                 </a:pPr>
                 <a:r>
-                  <a:rPr lang="en-US" sz="2400" dirty="0" smtClean="0"/>
-                  <a:t>	SSE = S(</a:t>
-                </a:r>
-                <a:r>
-                  <a:rPr lang="el-GR" sz="2400" dirty="0" smtClean="0"/>
+                  <a:rPr lang="en-US" sz="2400" dirty="0" smtClean="0">
+                    <a:solidFill>
+                      <a:schemeClr val="tx1"/>
+                    </a:solidFill>
+                  </a:rPr>
+                  <a:t>	</a:t>
+                </a:r>
+                <a:r>
+                  <a:rPr lang="en-US" sz="2400" dirty="0" smtClean="0">
+                    <a:solidFill>
+                      <a:schemeClr val="tx1"/>
+                    </a:solidFill>
+                  </a:rPr>
+                  <a:t>Cost </a:t>
+                </a:r>
+                <a:r>
+                  <a:rPr lang="en-US" sz="2400" dirty="0" err="1" smtClean="0">
+                    <a:solidFill>
+                      <a:schemeClr val="tx1"/>
+                    </a:solidFill>
+                  </a:rPr>
+                  <a:t>Fn</a:t>
+                </a:r>
+                <a:r>
+                  <a:rPr lang="en-US" sz="2400" dirty="0" smtClean="0">
+                    <a:solidFill>
+                      <a:schemeClr val="tx1"/>
+                    </a:solidFill>
+                  </a:rPr>
+                  <a:t> = SSE </a:t>
+                </a:r>
+                <a:r>
+                  <a:rPr lang="en-US" sz="2400" dirty="0" smtClean="0">
+                    <a:solidFill>
+                      <a:schemeClr val="tx1"/>
+                    </a:solidFill>
+                  </a:rPr>
+                  <a:t>= S(</a:t>
+                </a:r>
+                <a:r>
+                  <a:rPr lang="el-GR" sz="2400" dirty="0" smtClean="0">
+                    <a:solidFill>
+                      <a:schemeClr val="tx1"/>
+                    </a:solidFill>
+                  </a:rPr>
                   <a:t>β</a:t>
                 </a:r>
                 <a:r>
-                  <a:rPr lang="en-US" sz="2400" baseline="-25000" dirty="0" smtClean="0"/>
+                  <a:rPr lang="en-US" sz="2400" baseline="-25000" dirty="0" smtClean="0">
+                    <a:solidFill>
+                      <a:schemeClr val="tx1"/>
+                    </a:solidFill>
+                  </a:rPr>
                   <a:t>0</a:t>
                 </a:r>
                 <a:r>
-                  <a:rPr lang="en-US" sz="2400" dirty="0" smtClean="0"/>
+                  <a:rPr lang="en-US" sz="2400" dirty="0" smtClean="0">
+                    <a:solidFill>
+                      <a:schemeClr val="tx1"/>
+                    </a:solidFill>
+                  </a:rPr>
                   <a:t>,</a:t>
                 </a:r>
                 <a:r>
-                  <a:rPr lang="el-GR" sz="2400" dirty="0"/>
+                  <a:rPr lang="el-GR" sz="2400" dirty="0">
+                    <a:solidFill>
+                      <a:schemeClr val="tx1"/>
+                    </a:solidFill>
+                  </a:rPr>
                   <a:t> </a:t>
                 </a:r>
                 <a:r>
-                  <a:rPr lang="el-GR" sz="2400" dirty="0" smtClean="0"/>
+                  <a:rPr lang="el-GR" sz="2400" dirty="0" smtClean="0">
+                    <a:solidFill>
+                      <a:schemeClr val="tx1"/>
+                    </a:solidFill>
+                  </a:rPr>
                   <a:t>β</a:t>
                 </a:r>
                 <a:r>
-                  <a:rPr lang="en-US" sz="2400" baseline="-25000" dirty="0" smtClean="0"/>
+                  <a:rPr lang="en-US" sz="2400" baseline="-25000" dirty="0" smtClean="0">
+                    <a:solidFill>
+                      <a:schemeClr val="tx1"/>
+                    </a:solidFill>
+                  </a:rPr>
                   <a:t>1</a:t>
                 </a:r>
                 <a:r>
-                  <a:rPr lang="en-US" sz="2400" dirty="0" smtClean="0"/>
+                  <a:rPr lang="en-US" sz="2400" dirty="0" smtClean="0">
+                    <a:solidFill>
+                      <a:schemeClr val="tx1"/>
+                    </a:solidFill>
+                  </a:rPr>
                   <a:t>)</a:t>
                 </a:r>
                 <a:r>
-                  <a:rPr lang="en-US" sz="2400" baseline="-25000" dirty="0" smtClean="0"/>
+                  <a:rPr lang="en-US" sz="2400" baseline="-25000" dirty="0" smtClean="0">
+                    <a:solidFill>
+                      <a:schemeClr val="tx1"/>
+                    </a:solidFill>
+                  </a:rPr>
                   <a:t> </a:t>
                 </a:r>
                 <a:r>
-                  <a:rPr lang="en-US" sz="2400" dirty="0"/>
+                  <a:rPr lang="en-US" sz="2400" dirty="0">
+                    <a:solidFill>
+                      <a:schemeClr val="tx1"/>
+                    </a:solidFill>
+                  </a:rPr>
                   <a:t>= </a:t>
                 </a:r>
                 <a14:m>
@@ -7026,6 +9339,9 @@
                       <m:sSubSupPr>
                         <m:ctrlPr>
                           <a:rPr lang="en-US" sz="2400" i="1" dirty="0">
+                            <a:solidFill>
+                              <a:schemeClr val="tx1"/>
+                            </a:solidFill>
                             <a:latin typeface="Cambria Math" panose="02040503050406030204" pitchFamily="18" charset="0"/>
                           </a:rPr>
                         </m:ctrlPr>
@@ -7033,6 +9349,9 @@
                       <m:e>
                         <m:r>
                           <a:rPr lang="en-US" sz="2400" i="1" dirty="0">
+                            <a:solidFill>
+                              <a:schemeClr val="tx1"/>
+                            </a:solidFill>
                             <a:latin typeface="Cambria Math" panose="02040503050406030204" pitchFamily="18" charset="0"/>
                           </a:rPr>
                           <m:t>𝛴</m:t>
@@ -7041,12 +9360,18 @@
                       <m:sub>
                         <m:r>
                           <a:rPr lang="en-US" sz="2400" dirty="0">
+                            <a:solidFill>
+                              <a:schemeClr val="tx1"/>
+                            </a:solidFill>
                             <a:latin typeface="Cambria Math" panose="02040503050406030204" pitchFamily="18" charset="0"/>
                           </a:rPr>
                           <m:t>ⅈ=</m:t>
                         </m:r>
                         <m:r>
                           <a:rPr lang="en-US" sz="2400" i="1" dirty="0">
+                            <a:solidFill>
+                              <a:schemeClr val="tx1"/>
+                            </a:solidFill>
                             <a:latin typeface="Cambria Math" panose="02040503050406030204" pitchFamily="18" charset="0"/>
                           </a:rPr>
                           <m:t>1</m:t>
@@ -7055,6 +9380,9 @@
                       <m:sup>
                         <m:r>
                           <a:rPr lang="en-US" sz="2400" i="1" dirty="0">
+                            <a:solidFill>
+                              <a:schemeClr val="tx1"/>
+                            </a:solidFill>
                             <a:latin typeface="Cambria Math" panose="02040503050406030204" pitchFamily="18" charset="0"/>
                           </a:rPr>
                           <m:t>𝑛</m:t>
@@ -7063,6 +9391,9 @@
                     </m:sSubSup>
                     <m:r>
                       <a:rPr lang="en-US" sz="2400" i="1" dirty="0">
+                        <a:solidFill>
+                          <a:schemeClr val="tx1"/>
+                        </a:solidFill>
                         <a:latin typeface="Cambria Math" panose="02040503050406030204" pitchFamily="18" charset="0"/>
                       </a:rPr>
                       <m:t>(</m:t>
@@ -7070,66 +9401,125 @@
                   </m:oMath>
                 </a14:m>
                 <a:r>
-                  <a:rPr lang="en-US" sz="2400" dirty="0"/>
+                  <a:rPr lang="en-US" sz="2400" dirty="0">
+                    <a:solidFill>
+                      <a:schemeClr val="tx1"/>
+                    </a:solidFill>
+                  </a:rPr>
                   <a:t> </a:t>
                 </a:r>
                 <a:r>
-                  <a:rPr lang="en-US" sz="2400" dirty="0" smtClean="0"/>
+                  <a:rPr lang="en-US" sz="2400" dirty="0" smtClean="0">
+                    <a:solidFill>
+                      <a:schemeClr val="tx1"/>
+                    </a:solidFill>
+                  </a:rPr>
                   <a:t>Y</a:t>
                 </a:r>
                 <a:r>
-                  <a:rPr lang="en-US" sz="2400" baseline="-25000" dirty="0" smtClean="0"/>
+                  <a:rPr lang="en-US" sz="2400" baseline="-25000" dirty="0" smtClean="0">
+                    <a:solidFill>
+                      <a:schemeClr val="tx1"/>
+                    </a:solidFill>
+                  </a:rPr>
                   <a:t>i </a:t>
                 </a:r>
                 <a:r>
-                  <a:rPr lang="en-US" sz="2400" dirty="0"/>
+                  <a:rPr lang="en-US" sz="2400" dirty="0">
+                    <a:solidFill>
+                      <a:schemeClr val="tx1"/>
+                    </a:solidFill>
+                  </a:rPr>
                   <a:t>– </a:t>
                 </a:r>
                 <a:r>
-                  <a:rPr lang="el-GR" sz="2400" dirty="0"/>
+                  <a:rPr lang="el-GR" sz="2400" dirty="0">
+                    <a:solidFill>
+                      <a:schemeClr val="tx1"/>
+                    </a:solidFill>
+                  </a:rPr>
                   <a:t>β</a:t>
                 </a:r>
                 <a:r>
-                  <a:rPr lang="en-US" sz="2400" baseline="-25000" dirty="0"/>
+                  <a:rPr lang="en-US" sz="2400" baseline="-25000" dirty="0">
+                    <a:solidFill>
+                      <a:schemeClr val="tx1"/>
+                    </a:solidFill>
+                  </a:rPr>
                   <a:t>0  </a:t>
                 </a:r>
                 <a:r>
-                  <a:rPr lang="en-US" sz="2400" dirty="0"/>
-                  <a:t>+ </a:t>
-                </a:r>
-                <a:r>
-                  <a:rPr lang="el-GR" sz="2400" dirty="0"/>
+                  <a:rPr lang="en-US" sz="2400" dirty="0">
+                    <a:solidFill>
+                      <a:schemeClr val="tx1"/>
+                    </a:solidFill>
+                  </a:rPr>
+                  <a:t>-</a:t>
+                </a:r>
+                <a:r>
+                  <a:rPr lang="en-US" sz="2400" dirty="0" smtClean="0">
+                    <a:solidFill>
+                      <a:schemeClr val="tx1"/>
+                    </a:solidFill>
+                  </a:rPr>
+                  <a:t> </a:t>
+                </a:r>
+                <a:r>
+                  <a:rPr lang="el-GR" sz="2400" dirty="0">
+                    <a:solidFill>
+                      <a:schemeClr val="tx1"/>
+                    </a:solidFill>
+                  </a:rPr>
                   <a:t>β</a:t>
                 </a:r>
                 <a:r>
-                  <a:rPr lang="en-US" sz="2400" baseline="-25000" dirty="0" smtClean="0"/>
+                  <a:rPr lang="en-US" sz="2400" baseline="-25000" dirty="0" smtClean="0">
+                    <a:solidFill>
+                      <a:schemeClr val="tx1"/>
+                    </a:solidFill>
+                  </a:rPr>
                   <a:t>1</a:t>
                 </a:r>
                 <a:r>
-                  <a:rPr lang="en-US" sz="2400" dirty="0" smtClean="0"/>
+                  <a:rPr lang="en-US" sz="2400" dirty="0" smtClean="0">
+                    <a:solidFill>
+                      <a:schemeClr val="tx1"/>
+                    </a:solidFill>
+                  </a:rPr>
                   <a:t>X</a:t>
                 </a:r>
                 <a:r>
-                  <a:rPr lang="en-US" sz="2400" baseline="-25000" dirty="0" smtClean="0"/>
+                  <a:rPr lang="en-US" sz="2400" baseline="-25000" dirty="0" smtClean="0">
+                    <a:solidFill>
+                      <a:schemeClr val="tx1"/>
+                    </a:solidFill>
+                  </a:rPr>
                   <a:t>i </a:t>
                 </a:r>
                 <a:r>
-                  <a:rPr lang="en-US" sz="2400" dirty="0" smtClean="0"/>
+                  <a:rPr lang="en-US" sz="2400" dirty="0" smtClean="0">
+                    <a:solidFill>
+                      <a:schemeClr val="tx1"/>
+                    </a:solidFill>
+                  </a:rPr>
                   <a:t>)</a:t>
                 </a:r>
                 <a:r>
-                  <a:rPr lang="en-US" sz="2400" baseline="30000" dirty="0" smtClean="0"/>
+                  <a:rPr lang="en-US" sz="2400" baseline="30000" dirty="0" smtClean="0">
+                    <a:solidFill>
+                      <a:schemeClr val="tx1"/>
+                    </a:solidFill>
+                  </a:rPr>
                   <a:t>2</a:t>
                 </a:r>
                 <a:r>
-                  <a:rPr lang="en-US" sz="2400" dirty="0" smtClean="0"/>
+                  <a:rPr lang="en-US" sz="2400" dirty="0" smtClean="0">
+                    <a:solidFill>
+                      <a:schemeClr val="tx1"/>
+                    </a:solidFill>
+                  </a:rPr>
                   <a:t> </a:t>
                 </a:r>
-                <a:endParaRPr lang="en-US" sz="2400" dirty="0" smtClean="0">
-                  <a:solidFill>
-                    <a:schemeClr val="tx1"/>
-                  </a:solidFill>
-                </a:endParaRPr>
               </a:p>
               <a:p>
                 <a:pPr marL="0" lvl="1" indent="0">
@@ -7141,7 +9531,11 @@
                   </a:buClr>
                   <a:buNone/>
                 </a:pPr>
-                <a:endParaRPr lang="en-US" sz="2400" dirty="0"/>
+                <a:endParaRPr lang="en-US" sz="2400" dirty="0">
+                  <a:solidFill>
+                    <a:schemeClr val="tx1"/>
+                  </a:solidFill>
+                </a:endParaRPr>
               </a:p>
             </p:txBody>
           </p:sp>
@@ -7170,7 +9564,7 @@
               <a:lstStyle/>
               <a:p>
                 <a:r>
-                  <a:rPr lang="en-IN">
+                  <a:rPr lang="en-US">
                     <a:noFill/>
                   </a:rPr>
                   <a:t> </a:t>
@@ -7229,13 +9623,17 @@
               <a:lstStyle/>
               <a:p>
                 <a:r>
-                  <a:rPr lang="en-US" sz="2000" dirty="0" smtClean="0"/>
+                  <a:rPr lang="en-US" sz="2000" i="1" dirty="0">
+                    <a:latin typeface="Cambria Math" panose="02040503050406030204" pitchFamily="18" charset="0"/>
+                  </a:rPr>
                   <a:t>Where n = no. of observations</a:t>
                 </a:r>
               </a:p>
               <a:p>
                 <a:r>
-                  <a:rPr lang="en-IN" sz="2000" dirty="0"/>
+                  <a:rPr lang="en-IN" sz="2000" i="1" dirty="0">
+                    <a:latin typeface="Cambria Math" panose="02040503050406030204" pitchFamily="18" charset="0"/>
+                  </a:rPr>
                   <a:t> </a:t>
                 </a:r>
                 <a14:m>
@@ -7244,14 +9642,14 @@
                       <m:accPr>
                         <m:chr m:val="̅"/>
                         <m:ctrlPr>
-                          <a:rPr lang="en-IN" sz="2000" smtClean="0">
+                          <a:rPr lang="en-IN" sz="2000" i="1">
                             <a:latin typeface="Cambria Math" panose="02040503050406030204" pitchFamily="18" charset="0"/>
                           </a:rPr>
                         </m:ctrlPr>
                       </m:accPr>
                       <m:e>
                         <m:r>
-                          <a:rPr lang="en-IN" sz="2000" i="1" smtClean="0">
+                          <a:rPr lang="en-IN" sz="2000" i="1">
                             <a:latin typeface="Cambria Math" panose="02040503050406030204" pitchFamily="18" charset="0"/>
                           </a:rPr>
                           <m:t>𝑥</m:t>
@@ -7261,7 +9659,9 @@
                   </m:oMath>
                 </a14:m>
                 <a:r>
-                  <a:rPr lang="en-IN" sz="2000" dirty="0" smtClean="0"/>
+                  <a:rPr lang="en-IN" sz="2000" i="1" dirty="0">
+                    <a:latin typeface="Cambria Math" panose="02040503050406030204" pitchFamily="18" charset="0"/>
+                  </a:rPr>
                   <a:t> = mean of feature X</a:t>
                 </a:r>
               </a:p>
@@ -7277,7 +9677,7 @@
                         <m:accPr>
                           <m:chr m:val="̅"/>
                           <m:ctrlPr>
-                            <a:rPr lang="en-IN" sz="2000" dirty="0" smtClean="0">
+                            <a:rPr lang="en-IN" sz="2000" i="1" dirty="0">
                               <a:latin typeface="Cambria Math" panose="02040503050406030204" pitchFamily="18" charset="0"/>
                             </a:rPr>
                           </m:ctrlPr>
@@ -7292,49 +9692,49 @@
                         </m:e>
                       </m:acc>
                       <m:r>
-                        <a:rPr lang="en-US" sz="2000" b="0" i="1" dirty="0" smtClean="0">
+                        <a:rPr lang="en-US" sz="2000" i="1" dirty="0">
                           <a:latin typeface="Cambria Math" panose="02040503050406030204" pitchFamily="18" charset="0"/>
                         </a:rPr>
                         <m:t> =</m:t>
                       </m:r>
                       <m:r>
-                        <a:rPr lang="en-US" sz="2000" b="0" i="1" dirty="0" smtClean="0">
+                        <a:rPr lang="en-US" sz="2000" i="1" dirty="0">
                           <a:latin typeface="Cambria Math" panose="02040503050406030204" pitchFamily="18" charset="0"/>
                         </a:rPr>
                         <m:t>𝑚𝑒𝑎𝑛</m:t>
                       </m:r>
                       <m:r>
-                        <a:rPr lang="en-US" sz="2000" b="0" i="1" dirty="0" smtClean="0">
+                        <a:rPr lang="en-US" sz="2000" i="1" dirty="0">
                           <a:latin typeface="Cambria Math" panose="02040503050406030204" pitchFamily="18" charset="0"/>
                         </a:rPr>
                         <m:t> </m:t>
                       </m:r>
                       <m:r>
-                        <a:rPr lang="en-US" sz="2000" b="0" i="1" dirty="0" smtClean="0">
+                        <a:rPr lang="en-US" sz="2000" i="1" dirty="0">
                           <a:latin typeface="Cambria Math" panose="02040503050406030204" pitchFamily="18" charset="0"/>
                         </a:rPr>
                         <m:t>𝑜𝑓</m:t>
                       </m:r>
                       <m:r>
-                        <a:rPr lang="en-US" sz="2000" b="0" i="1" dirty="0" smtClean="0">
+                        <a:rPr lang="en-US" sz="2000" i="1" dirty="0">
                           <a:latin typeface="Cambria Math" panose="02040503050406030204" pitchFamily="18" charset="0"/>
                         </a:rPr>
                         <m:t> </m:t>
                       </m:r>
                       <m:r>
-                        <a:rPr lang="en-US" sz="2000" b="0" i="1" dirty="0" smtClean="0">
+                        <a:rPr lang="en-US" sz="2000" i="1" dirty="0">
                           <a:latin typeface="Cambria Math" panose="02040503050406030204" pitchFamily="18" charset="0"/>
                         </a:rPr>
                         <m:t>𝑡𝑎𝑟𝑔𝑒𝑡</m:t>
                       </m:r>
                       <m:r>
-                        <a:rPr lang="en-US" sz="2000" b="0" i="1" dirty="0" smtClean="0">
+                        <a:rPr lang="en-US" sz="2000" i="1" dirty="0">
                           <a:latin typeface="Cambria Math" panose="02040503050406030204" pitchFamily="18" charset="0"/>
                         </a:rPr>
                         <m:t> </m:t>
                       </m:r>
                       <m:r>
-                        <a:rPr lang="en-US" sz="2000" b="0" i="1" dirty="0" smtClean="0">
+                        <a:rPr lang="en-US" sz="2000" i="1" dirty="0">
                           <a:latin typeface="Cambria Math" panose="02040503050406030204" pitchFamily="18" charset="0"/>
                         </a:rPr>
                         <m:t>𝑌</m:t>
@@ -7342,35 +9742,38 @@
                     </m:oMath>
                   </m:oMathPara>
                 </a14:m>
-                <a:endParaRPr lang="en-IN" sz="2000" dirty="0" smtClean="0"/>
+                <a:endParaRPr lang="en-IN" sz="2000" i="1" dirty="0">
+                  <a:latin typeface="Cambria Math" panose="02040503050406030204" pitchFamily="18" charset="0"/>
+                </a:endParaRPr>
               </a:p>
               <a:p>
-                <a:pPr/>
-                <a:r>
-                  <a:rPr lang="en-US" sz="2000" dirty="0" err="1" smtClean="0"/>
+                <a:r>
+                  <a:rPr lang="en-US" sz="2000" i="1" dirty="0" err="1">
+                    <a:latin typeface="Cambria Math" panose="02040503050406030204" pitchFamily="18" charset="0"/>
+                  </a:rPr>
                   <a:t>i</a:t>
                 </a:r>
                 <a:r>
-                  <a:rPr lang="en-US" sz="2000" dirty="0" smtClean="0"/>
+                  <a:rPr lang="en-US" sz="2000" i="1" dirty="0">
+                    <a:latin typeface="Cambria Math" panose="02040503050406030204" pitchFamily="18" charset="0"/>
+                  </a:rPr>
                   <a:t> = </a:t>
                 </a:r>
                 <a:r>
-                  <a:rPr lang="en-US" sz="2000" dirty="0" err="1" smtClean="0"/>
-                  <a:t>i</a:t>
-                </a:r>
-                <a:r>
-                  <a:rPr lang="en-US" sz="2000" baseline="-25000" dirty="0" err="1" smtClean="0"/>
-                  <a:t>th</a:t>
-                </a:r>
-                <a:r>
-                  <a:rPr lang="en-US" sz="2000" baseline="-25000" dirty="0" smtClean="0"/>
-                  <a:t> </a:t>
-                </a:r>
-                <a:r>
-                  <a:rPr lang="en-US" sz="2000" dirty="0" smtClean="0"/>
-                  <a:t>observation</a:t>
-                </a:r>
-                <a:endParaRPr lang="en-IN" sz="2000" dirty="0"/>
+                  <a:rPr lang="en-US" sz="2000" i="1" dirty="0" err="1">
+                    <a:latin typeface="Cambria Math" panose="02040503050406030204" pitchFamily="18" charset="0"/>
+                  </a:rPr>
+                  <a:t>ith</a:t>
+                </a:r>
+                <a:r>
+                  <a:rPr lang="en-US" sz="2000" i="1" dirty="0">
+                    <a:latin typeface="Cambria Math" panose="02040503050406030204" pitchFamily="18" charset="0"/>
+                  </a:rPr>
+                  <a:t> observation</a:t>
+                </a:r>
+                <a:endParaRPr lang="en-IN" sz="2000" i="1" dirty="0">
+                  <a:latin typeface="Cambria Math" panose="02040503050406030204" pitchFamily="18" charset="0"/>
+                </a:endParaRPr>
               </a:p>
             </p:txBody>
           </p:sp>
@@ -7404,7 +9807,7 @@
               <a:lstStyle/>
               <a:p>
                 <a:r>
-                  <a:rPr lang="en-IN">
+                  <a:rPr lang="en-US">
                     <a:noFill/>
                   </a:rPr>
                   <a:t> </a:t>
@@ -7956,15 +10359,7 @@
           <a:p>
             <a:r>
               <a:rPr lang="en-US" dirty="0" smtClean="0"/>
-              <a:t>Relationship between Y and </a:t>
-            </a:r>
-            <a:r>
-              <a:rPr lang="en-US" dirty="0" smtClean="0"/>
-              <a:t>X is linear.</a:t>
-            </a:r>
-            <a:r>
-              <a:rPr lang="en-US" dirty="0" smtClean="0"/>
-              <a:t> </a:t>
+              <a:t>Relationship between Y and X is linear. </a:t>
             </a:r>
             <a:r>
               <a:rPr lang="en-US" dirty="0"/>
@@ -7972,15 +10367,7 @@
             </a:r>
             <a:r>
               <a:rPr lang="en-US" dirty="0" smtClean="0"/>
-              <a:t>C</a:t>
-            </a:r>
-            <a:r>
-              <a:rPr lang="en-US" dirty="0" smtClean="0"/>
-              <a:t>an be checked using scatter </a:t>
-            </a:r>
-            <a:r>
-              <a:rPr lang="en-US" dirty="0" smtClean="0"/>
-              <a:t>plot between Y and X.</a:t>
+              <a:t>Can be checked using scatter plot between Y and X.</a:t>
             </a:r>
           </a:p>
           <a:p>
@@ -7994,15 +10381,7 @@
             </a:r>
             <a:r>
               <a:rPr lang="en-US" dirty="0"/>
-              <a:t> </a:t>
-            </a:r>
-            <a:r>
-              <a:rPr lang="en-US" dirty="0"/>
-              <a:t>between the </a:t>
-            </a:r>
-            <a:r>
-              <a:rPr lang="en-US" dirty="0"/>
-              <a:t>Independent </a:t>
+              <a:t> between the Independent </a:t>
             </a:r>
             <a:r>
               <a:rPr lang="en-US" dirty="0" smtClean="0"/>
@@ -8012,11 +10391,7 @@
           <a:p>
             <a:r>
               <a:rPr lang="en-IN" dirty="0"/>
-              <a:t>Homoscedasticity </a:t>
-            </a:r>
-            <a:r>
-              <a:rPr lang="en-IN" dirty="0"/>
-              <a:t>Assumption -</a:t>
+              <a:t>Homoscedasticity Assumption -</a:t>
             </a:r>
             <a:r>
               <a:rPr lang="en-IN" dirty="0" smtClean="0"/>
